--- a/chinavis2022_survey/Images/survey.pptx
+++ b/chinavis2022_survey/Images/survey.pptx
@@ -5,15 +5,15 @@
     <p:sldMasterId id="2147483648" r:id="rId1"/>
   </p:sldMasterIdLst>
   <p:notesMasterIdLst>
-    <p:notesMasterId r:id="rId4"/>
+    <p:notesMasterId r:id="rId3"/>
   </p:notesMasterIdLst>
   <p:sldIdLst>
-    <p:sldId id="257" r:id="rId3"/>
+    <p:sldId id="257" r:id="rId2"/>
   </p:sldIdLst>
   <p:sldSz cx="16919575" cy="6858000"/>
   <p:notesSz cx="6858000" cy="9144000"/>
   <p:custDataLst>
-    <p:tags r:id="rId8"/>
+    <p:tags r:id="rId4"/>
   </p:custDataLst>
   <p:defaultTextStyle>
     <a:defPPr>
@@ -110,6 +110,25 @@
       </a:defRPr>
     </a:lvl9pPr>
   </p:defaultTextStyle>
+  <p:extLst>
+    <p:ext uri="{EFAFB233-063F-42B5-8137-9DF3F51BA10A}">
+      <p15:sldGuideLst xmlns:p15="http://schemas.microsoft.com/office/powerpoint/2012/main">
+        <p15:guide id="1" orient="horz" pos="2268">
+          <p15:clr>
+            <a:srgbClr val="A4A3A4"/>
+          </p15:clr>
+        </p15:guide>
+        <p15:guide id="2" pos="5336">
+          <p15:clr>
+            <a:srgbClr val="A4A3A4"/>
+          </p15:clr>
+        </p15:guide>
+      </p15:sldGuideLst>
+    </p:ext>
+    <p:ext uri="{2D200454-40CA-4A62-9FC3-DE9A4176ACB9}">
+      <p15:notesGuideLst xmlns:p15="http://schemas.microsoft.com/office/powerpoint/2012/main"/>
+    </p:ext>
+  </p:extLst>
 </p:presentation>
 </file>
 
@@ -195,6 +214,7 @@
           <a:p>
             <a:fld id="{D2A48B96-639E-45A3-A0BA-2464DFDB1FAA}" type="datetimeFigureOut">
               <a:rPr lang="zh-CN" altLang="en-US" smtClean="0"/>
+              <a:t>2022/5/14</a:t>
             </a:fld>
             <a:endParaRPr lang="zh-CN" altLang="en-US"/>
           </a:p>
@@ -258,42 +278,37 @@
           <a:p>
             <a:pPr lvl="0"/>
             <a:r>
-              <a:rPr lang="zh-CN" altLang="en-US" smtClean="0"/>
+              <a:rPr lang="zh-CN" altLang="en-US"/>
               <a:t>单击此处编辑母版文本样式</a:t>
             </a:r>
-            <a:endParaRPr lang="zh-CN" altLang="en-US" smtClean="0"/>
           </a:p>
           <a:p>
             <a:pPr lvl="1"/>
             <a:r>
-              <a:rPr lang="zh-CN" altLang="en-US" smtClean="0"/>
+              <a:rPr lang="zh-CN" altLang="en-US"/>
               <a:t>第二级</a:t>
             </a:r>
-            <a:endParaRPr lang="zh-CN" altLang="en-US" smtClean="0"/>
           </a:p>
           <a:p>
             <a:pPr lvl="2"/>
             <a:r>
-              <a:rPr lang="zh-CN" altLang="en-US" smtClean="0"/>
+              <a:rPr lang="zh-CN" altLang="en-US"/>
               <a:t>第三级</a:t>
             </a:r>
-            <a:endParaRPr lang="zh-CN" altLang="en-US" smtClean="0"/>
           </a:p>
           <a:p>
             <a:pPr lvl="3"/>
             <a:r>
-              <a:rPr lang="zh-CN" altLang="en-US" smtClean="0"/>
+              <a:rPr lang="zh-CN" altLang="en-US"/>
               <a:t>第四级</a:t>
             </a:r>
-            <a:endParaRPr lang="zh-CN" altLang="en-US" smtClean="0"/>
           </a:p>
           <a:p>
             <a:pPr lvl="4"/>
             <a:r>
-              <a:rPr lang="zh-CN" altLang="en-US" smtClean="0"/>
+              <a:rPr lang="zh-CN" altLang="en-US"/>
               <a:t>第五级</a:t>
             </a:r>
-            <a:endParaRPr lang="zh-CN" altLang="en-US"/>
           </a:p>
         </p:txBody>
       </p:sp>
@@ -357,6 +372,7 @@
           <a:p>
             <a:fld id="{A6837353-30EB-4A48-80EB-173D804AEFBD}" type="slidenum">
               <a:rPr lang="zh-CN" altLang="en-US" smtClean="0"/>
+              <a:t>‹#›</a:t>
             </a:fld>
             <a:endParaRPr lang="zh-CN" altLang="en-US"/>
           </a:p>
@@ -469,28 +485,45 @@
         <p:cNvGrpSpPr/>
         <p:nvPr/>
       </p:nvGrpSpPr>
-      <p:grpSpPr/>
+      <p:grpSpPr>
+        <a:xfrm>
+          <a:off x="0" y="0"/>
+          <a:ext cx="0" cy="0"/>
+          <a:chOff x="0" y="0"/>
+          <a:chExt cx="0" cy="0"/>
+        </a:xfrm>
+      </p:grpSpPr>
       <p:sp>
         <p:nvSpPr>
           <p:cNvPr id="2" name="幻灯片图像占位符 1"/>
-          <p:cNvSpPr/>
+          <p:cNvSpPr>
+            <a:spLocks noGrp="1" noRot="1" noChangeAspect="1"/>
+          </p:cNvSpPr>
           <p:nvPr>
             <p:ph type="sldImg" idx="2"/>
           </p:nvPr>
         </p:nvSpPr>
+        <p:spPr>
+          <a:xfrm>
+            <a:off x="-377825" y="1143000"/>
+            <a:ext cx="7613650" cy="3086100"/>
+          </a:xfrm>
+        </p:spPr>
+      </p:sp>
+      <p:sp>
+        <p:nvSpPr>
+          <p:cNvPr id="3" name="文本占位符 2"/>
+          <p:cNvSpPr>
+            <a:spLocks noGrp="1"/>
+          </p:cNvSpPr>
+          <p:nvPr>
+            <p:ph type="body" idx="3"/>
+          </p:nvPr>
+        </p:nvSpPr>
         <p:spPr/>
-      </p:sp>
-      <p:sp>
-        <p:nvSpPr>
-          <p:cNvPr id="3" name="文本占位符 2"/>
-          <p:cNvSpPr/>
-          <p:nvPr>
-            <p:ph type="body" idx="3"/>
-          </p:nvPr>
-        </p:nvSpPr>
-        <p:spPr/>
         <p:txBody>
           <a:bodyPr/>
+          <a:lstStyle/>
           <a:p>
             <a:endParaRPr lang="zh-CN" altLang="en-US"/>
           </a:p>
@@ -530,7 +563,7 @@
           <p:nvPr>
             <p:ph type="ctrTitle" hasCustomPrompt="1"/>
             <p:custDataLst>
-              <p:tags r:id="rId2"/>
+              <p:tags r:id="rId1"/>
             </p:custDataLst>
           </p:nvPr>
         </p:nvSpPr>
@@ -554,7 +587,6 @@
               <a:rPr lang="zh-CN" altLang="en-US" dirty="0"/>
               <a:t>单击此处编辑标题</a:t>
             </a:r>
-            <a:endParaRPr lang="zh-CN" altLang="en-US" dirty="0"/>
           </a:p>
         </p:txBody>
       </p:sp>
@@ -567,7 +599,7 @@
           <p:nvPr>
             <p:ph type="subTitle" idx="1" hasCustomPrompt="1"/>
             <p:custDataLst>
-              <p:tags r:id="rId3"/>
+              <p:tags r:id="rId2"/>
             </p:custDataLst>
           </p:nvPr>
         </p:nvSpPr>
@@ -629,7 +661,6 @@
               <a:rPr lang="zh-CN" altLang="en-US" dirty="0"/>
               <a:t>单击此处编辑副标题</a:t>
             </a:r>
-            <a:endParaRPr lang="zh-CN" altLang="en-US" dirty="0"/>
           </a:p>
         </p:txBody>
       </p:sp>
@@ -642,7 +673,7 @@
           <p:nvPr>
             <p:ph type="dt" sz="half" idx="10"/>
             <p:custDataLst>
-              <p:tags r:id="rId4"/>
+              <p:tags r:id="rId3"/>
             </p:custDataLst>
           </p:nvPr>
         </p:nvSpPr>
@@ -653,6 +684,7 @@
           <a:p>
             <a:fld id="{760FBDFE-C587-4B4C-A407-44438C67B59E}" type="datetimeFigureOut">
               <a:rPr lang="zh-CN" altLang="en-US" smtClean="0"/>
+              <a:t>2022/5/14</a:t>
             </a:fld>
             <a:endParaRPr lang="zh-CN" altLang="en-US"/>
           </a:p>
@@ -667,7 +699,7 @@
           <p:nvPr>
             <p:ph type="ftr" sz="quarter" idx="11"/>
             <p:custDataLst>
-              <p:tags r:id="rId5"/>
+              <p:tags r:id="rId4"/>
             </p:custDataLst>
           </p:nvPr>
         </p:nvSpPr>
@@ -689,7 +721,7 @@
           <p:nvPr>
             <p:ph type="sldNum" sz="quarter" idx="12"/>
             <p:custDataLst>
-              <p:tags r:id="rId6"/>
+              <p:tags r:id="rId5"/>
             </p:custDataLst>
           </p:nvPr>
         </p:nvSpPr>
@@ -700,6 +732,7 @@
           <a:p>
             <a:fld id="{49AE70B2-8BF9-45C0-BB95-33D1B9D3A854}" type="slidenum">
               <a:rPr lang="zh-CN" altLang="en-US" smtClean="0"/>
+              <a:t>‹#›</a:t>
             </a:fld>
             <a:endParaRPr lang="zh-CN" altLang="en-US" dirty="0"/>
           </a:p>
@@ -739,7 +772,7 @@
           <p:nvPr>
             <p:ph type="dt" sz="half" idx="10"/>
             <p:custDataLst>
-              <p:tags r:id="rId2"/>
+              <p:tags r:id="rId1"/>
             </p:custDataLst>
           </p:nvPr>
         </p:nvSpPr>
@@ -750,6 +783,7 @@
           <a:p>
             <a:fld id="{760FBDFE-C587-4B4C-A407-44438C67B59E}" type="datetimeFigureOut">
               <a:rPr lang="zh-CN" altLang="en-US" smtClean="0"/>
+              <a:t>2022/5/14</a:t>
             </a:fld>
             <a:endParaRPr lang="zh-CN" altLang="en-US"/>
           </a:p>
@@ -764,7 +798,7 @@
           <p:nvPr>
             <p:ph type="ftr" sz="quarter" idx="11"/>
             <p:custDataLst>
-              <p:tags r:id="rId3"/>
+              <p:tags r:id="rId2"/>
             </p:custDataLst>
           </p:nvPr>
         </p:nvSpPr>
@@ -786,7 +820,7 @@
           <p:nvPr>
             <p:ph type="sldNum" sz="quarter" idx="12"/>
             <p:custDataLst>
-              <p:tags r:id="rId4"/>
+              <p:tags r:id="rId3"/>
             </p:custDataLst>
           </p:nvPr>
         </p:nvSpPr>
@@ -797,6 +831,7 @@
           <a:p>
             <a:fld id="{49AE70B2-8BF9-45C0-BB95-33D1B9D3A854}" type="slidenum">
               <a:rPr lang="zh-CN" altLang="en-US" smtClean="0"/>
+              <a:t>‹#›</a:t>
             </a:fld>
             <a:endParaRPr lang="zh-CN" altLang="en-US"/>
           </a:p>
@@ -811,7 +846,7 @@
           <p:nvPr>
             <p:ph sz="quarter" idx="13"/>
             <p:custDataLst>
-              <p:tags r:id="rId5"/>
+              <p:tags r:id="rId4"/>
             </p:custDataLst>
           </p:nvPr>
         </p:nvSpPr>
@@ -830,7 +865,6 @@
               <a:rPr lang="zh-CN" altLang="en-US" dirty="0"/>
               <a:t>单击此处编辑母版文本样式</a:t>
             </a:r>
-            <a:endParaRPr lang="zh-CN" altLang="en-US" dirty="0"/>
           </a:p>
           <a:p>
             <a:pPr lvl="1"/>
@@ -838,7 +872,6 @@
               <a:rPr lang="zh-CN" altLang="en-US" dirty="0"/>
               <a:t>第二级</a:t>
             </a:r>
-            <a:endParaRPr lang="zh-CN" altLang="en-US" dirty="0"/>
           </a:p>
           <a:p>
             <a:pPr lvl="2"/>
@@ -846,7 +879,6 @@
               <a:rPr lang="zh-CN" altLang="en-US" dirty="0"/>
               <a:t>第三级</a:t>
             </a:r>
-            <a:endParaRPr lang="zh-CN" altLang="en-US" dirty="0"/>
           </a:p>
           <a:p>
             <a:pPr lvl="3"/>
@@ -854,7 +886,6 @@
               <a:rPr lang="zh-CN" altLang="en-US" dirty="0"/>
               <a:t>第四级</a:t>
             </a:r>
-            <a:endParaRPr lang="zh-CN" altLang="en-US" dirty="0"/>
           </a:p>
           <a:p>
             <a:pPr lvl="4"/>
@@ -862,7 +893,6 @@
               <a:rPr lang="zh-CN" altLang="en-US" dirty="0"/>
               <a:t>第五级</a:t>
             </a:r>
-            <a:endParaRPr lang="zh-CN" altLang="en-US" dirty="0"/>
           </a:p>
         </p:txBody>
       </p:sp>
@@ -900,7 +930,7 @@
           <p:nvPr>
             <p:ph type="dt" sz="half" idx="10"/>
             <p:custDataLst>
-              <p:tags r:id="rId2"/>
+              <p:tags r:id="rId1"/>
             </p:custDataLst>
           </p:nvPr>
         </p:nvSpPr>
@@ -911,6 +941,7 @@
           <a:p>
             <a:fld id="{760FBDFE-C587-4B4C-A407-44438C67B59E}" type="datetimeFigureOut">
               <a:rPr lang="zh-CN" altLang="en-US" smtClean="0"/>
+              <a:t>2022/5/14</a:t>
             </a:fld>
             <a:endParaRPr lang="zh-CN" altLang="en-US"/>
           </a:p>
@@ -925,7 +956,7 @@
           <p:nvPr>
             <p:ph type="ftr" sz="quarter" idx="11"/>
             <p:custDataLst>
-              <p:tags r:id="rId3"/>
+              <p:tags r:id="rId2"/>
             </p:custDataLst>
           </p:nvPr>
         </p:nvSpPr>
@@ -947,7 +978,7 @@
           <p:nvPr>
             <p:ph type="sldNum" sz="quarter" idx="12"/>
             <p:custDataLst>
-              <p:tags r:id="rId4"/>
+              <p:tags r:id="rId3"/>
             </p:custDataLst>
           </p:nvPr>
         </p:nvSpPr>
@@ -958,6 +989,7 @@
           <a:p>
             <a:fld id="{49AE70B2-8BF9-45C0-BB95-33D1B9D3A854}" type="slidenum">
               <a:rPr lang="zh-CN" altLang="en-US" smtClean="0"/>
+              <a:t>‹#›</a:t>
             </a:fld>
             <a:endParaRPr lang="zh-CN" altLang="en-US"/>
           </a:p>
@@ -972,7 +1004,7 @@
           <p:nvPr>
             <p:ph type="title" hasCustomPrompt="1"/>
             <p:custDataLst>
-              <p:tags r:id="rId5"/>
+              <p:tags r:id="rId4"/>
             </p:custDataLst>
           </p:nvPr>
         </p:nvSpPr>
@@ -994,10 +1026,9 @@
           <a:p>
             <a:pPr lvl="0"/>
             <a:r>
-              <a:rPr lang="zh-CN" altLang="en-US" smtClean="0"/>
+              <a:rPr lang="zh-CN" altLang="en-US"/>
               <a:t>单击此处编辑标题</a:t>
             </a:r>
-            <a:endParaRPr lang="zh-CN" altLang="en-US"/>
           </a:p>
         </p:txBody>
       </p:sp>
@@ -1010,7 +1041,7 @@
           <p:nvPr>
             <p:ph type="body" sz="quarter" idx="13"/>
             <p:custDataLst>
-              <p:tags r:id="rId6"/>
+              <p:tags r:id="rId5"/>
             </p:custDataLst>
           </p:nvPr>
         </p:nvSpPr>
@@ -1039,7 +1070,6 @@
               <a:rPr lang="zh-CN" altLang="en-US" dirty="0"/>
               <a:t>单击此处编辑母版文本样式</a:t>
             </a:r>
-            <a:endParaRPr lang="zh-CN" altLang="en-US" dirty="0"/>
           </a:p>
         </p:txBody>
       </p:sp>
@@ -1077,7 +1107,7 @@
           <p:nvPr>
             <p:ph type="title"/>
             <p:custDataLst>
-              <p:tags r:id="rId2"/>
+              <p:tags r:id="rId1"/>
             </p:custDataLst>
           </p:nvPr>
         </p:nvSpPr>
@@ -1095,10 +1125,9 @@
           <a:p>
             <a:pPr lvl="0"/>
             <a:r>
-              <a:rPr lang="zh-CN" altLang="en-US" smtClean="0"/>
+              <a:rPr lang="zh-CN" altLang="en-US"/>
               <a:t>单击此处编辑母版标题样式</a:t>
             </a:r>
-            <a:endParaRPr lang="zh-CN" altLang="en-US"/>
           </a:p>
         </p:txBody>
       </p:sp>
@@ -1111,7 +1140,7 @@
           <p:nvPr>
             <p:ph idx="1"/>
             <p:custDataLst>
-              <p:tags r:id="rId3"/>
+              <p:tags r:id="rId2"/>
             </p:custDataLst>
           </p:nvPr>
         </p:nvSpPr>
@@ -1129,42 +1158,37 @@
           <a:p>
             <a:pPr lvl="0"/>
             <a:r>
-              <a:rPr lang="zh-CN" altLang="en-US" smtClean="0"/>
+              <a:rPr lang="zh-CN" altLang="en-US"/>
               <a:t>单击此处编辑母版文本样式</a:t>
             </a:r>
-            <a:endParaRPr lang="zh-CN" altLang="en-US" smtClean="0"/>
           </a:p>
           <a:p>
             <a:pPr lvl="1"/>
             <a:r>
-              <a:rPr lang="zh-CN" altLang="en-US" smtClean="0"/>
+              <a:rPr lang="zh-CN" altLang="en-US"/>
               <a:t>第二级</a:t>
             </a:r>
-            <a:endParaRPr lang="zh-CN" altLang="en-US" smtClean="0"/>
           </a:p>
           <a:p>
             <a:pPr lvl="2"/>
             <a:r>
-              <a:rPr lang="zh-CN" altLang="en-US" smtClean="0"/>
+              <a:rPr lang="zh-CN" altLang="en-US"/>
               <a:t>第三级</a:t>
             </a:r>
-            <a:endParaRPr lang="zh-CN" altLang="en-US" smtClean="0"/>
           </a:p>
           <a:p>
             <a:pPr lvl="3"/>
             <a:r>
-              <a:rPr lang="zh-CN" altLang="en-US" smtClean="0"/>
+              <a:rPr lang="zh-CN" altLang="en-US"/>
               <a:t>第四级</a:t>
             </a:r>
-            <a:endParaRPr lang="zh-CN" altLang="en-US" smtClean="0"/>
           </a:p>
           <a:p>
             <a:pPr lvl="4"/>
             <a:r>
-              <a:rPr lang="zh-CN" altLang="en-US" smtClean="0"/>
+              <a:rPr lang="zh-CN" altLang="en-US"/>
               <a:t>第五级</a:t>
             </a:r>
-            <a:endParaRPr lang="zh-CN" altLang="en-US"/>
           </a:p>
         </p:txBody>
       </p:sp>
@@ -1177,7 +1201,7 @@
           <p:nvPr>
             <p:ph type="dt" sz="half" idx="10"/>
             <p:custDataLst>
-              <p:tags r:id="rId4"/>
+              <p:tags r:id="rId3"/>
             </p:custDataLst>
           </p:nvPr>
         </p:nvSpPr>
@@ -1188,6 +1212,7 @@
           <a:p>
             <a:fld id="{760FBDFE-C587-4B4C-A407-44438C67B59E}" type="datetimeFigureOut">
               <a:rPr lang="zh-CN" altLang="en-US" smtClean="0"/>
+              <a:t>2022/5/14</a:t>
             </a:fld>
             <a:endParaRPr lang="zh-CN" altLang="en-US"/>
           </a:p>
@@ -1202,7 +1227,7 @@
           <p:nvPr>
             <p:ph type="ftr" sz="quarter" idx="11"/>
             <p:custDataLst>
-              <p:tags r:id="rId5"/>
+              <p:tags r:id="rId4"/>
             </p:custDataLst>
           </p:nvPr>
         </p:nvSpPr>
@@ -1224,7 +1249,7 @@
           <p:nvPr>
             <p:ph type="sldNum" sz="quarter" idx="12"/>
             <p:custDataLst>
-              <p:tags r:id="rId6"/>
+              <p:tags r:id="rId5"/>
             </p:custDataLst>
           </p:nvPr>
         </p:nvSpPr>
@@ -1235,6 +1260,7 @@
           <a:p>
             <a:fld id="{49AE70B2-8BF9-45C0-BB95-33D1B9D3A854}" type="slidenum">
               <a:rPr lang="zh-CN" altLang="en-US" smtClean="0"/>
+              <a:t>‹#›</a:t>
             </a:fld>
             <a:endParaRPr lang="zh-CN" altLang="en-US"/>
           </a:p>
@@ -1274,7 +1300,7 @@
           <p:nvPr>
             <p:ph type="title" hasCustomPrompt="1"/>
             <p:custDataLst>
-              <p:tags r:id="rId2"/>
+              <p:tags r:id="rId1"/>
             </p:custDataLst>
           </p:nvPr>
         </p:nvSpPr>
@@ -1298,7 +1324,6 @@
               <a:rPr lang="zh-CN" altLang="en-US" dirty="0"/>
               <a:t>单击此处编辑标题</a:t>
             </a:r>
-            <a:endParaRPr lang="zh-CN" altLang="en-US" dirty="0"/>
           </a:p>
         </p:txBody>
       </p:sp>
@@ -1311,7 +1336,7 @@
           <p:nvPr>
             <p:ph type="body" idx="1" hasCustomPrompt="1"/>
             <p:custDataLst>
-              <p:tags r:id="rId3"/>
+              <p:tags r:id="rId2"/>
             </p:custDataLst>
           </p:nvPr>
         </p:nvSpPr>
@@ -1424,7 +1449,6 @@
               <a:rPr lang="zh-CN" altLang="en-US" dirty="0"/>
               <a:t>单击此处编辑文本</a:t>
             </a:r>
-            <a:endParaRPr lang="zh-CN" altLang="en-US" dirty="0"/>
           </a:p>
         </p:txBody>
       </p:sp>
@@ -1437,7 +1461,7 @@
           <p:nvPr>
             <p:ph type="dt" sz="half" idx="10"/>
             <p:custDataLst>
-              <p:tags r:id="rId4"/>
+              <p:tags r:id="rId3"/>
             </p:custDataLst>
           </p:nvPr>
         </p:nvSpPr>
@@ -1448,6 +1472,7 @@
           <a:p>
             <a:fld id="{760FBDFE-C587-4B4C-A407-44438C67B59E}" type="datetimeFigureOut">
               <a:rPr lang="zh-CN" altLang="en-US" smtClean="0"/>
+              <a:t>2022/5/14</a:t>
             </a:fld>
             <a:endParaRPr lang="zh-CN" altLang="en-US"/>
           </a:p>
@@ -1462,7 +1487,7 @@
           <p:nvPr>
             <p:ph type="ftr" sz="quarter" idx="11"/>
             <p:custDataLst>
-              <p:tags r:id="rId5"/>
+              <p:tags r:id="rId4"/>
             </p:custDataLst>
           </p:nvPr>
         </p:nvSpPr>
@@ -1484,7 +1509,7 @@
           <p:nvPr>
             <p:ph type="sldNum" sz="quarter" idx="12"/>
             <p:custDataLst>
-              <p:tags r:id="rId6"/>
+              <p:tags r:id="rId5"/>
             </p:custDataLst>
           </p:nvPr>
         </p:nvSpPr>
@@ -1495,6 +1520,7 @@
           <a:p>
             <a:fld id="{49AE70B2-8BF9-45C0-BB95-33D1B9D3A854}" type="slidenum">
               <a:rPr lang="zh-CN" altLang="en-US" smtClean="0"/>
+              <a:t>‹#›</a:t>
             </a:fld>
             <a:endParaRPr lang="zh-CN" altLang="en-US"/>
           </a:p>
@@ -1534,7 +1560,7 @@
           <p:nvPr>
             <p:ph type="title"/>
             <p:custDataLst>
-              <p:tags r:id="rId2"/>
+              <p:tags r:id="rId1"/>
             </p:custDataLst>
           </p:nvPr>
         </p:nvSpPr>
@@ -1552,10 +1578,9 @@
           <a:p>
             <a:pPr lvl="0"/>
             <a:r>
-              <a:rPr lang="zh-CN" altLang="en-US" smtClean="0"/>
+              <a:rPr lang="zh-CN" altLang="en-US"/>
               <a:t>单击此处编辑母版标题样式</a:t>
             </a:r>
-            <a:endParaRPr lang="zh-CN" altLang="en-US"/>
           </a:p>
         </p:txBody>
       </p:sp>
@@ -1568,7 +1593,7 @@
           <p:nvPr>
             <p:ph sz="half" idx="1"/>
             <p:custDataLst>
-              <p:tags r:id="rId3"/>
+              <p:tags r:id="rId2"/>
             </p:custDataLst>
           </p:nvPr>
         </p:nvSpPr>
@@ -1586,42 +1611,37 @@
           <a:p>
             <a:pPr lvl="0"/>
             <a:r>
-              <a:rPr lang="zh-CN" altLang="en-US" smtClean="0"/>
+              <a:rPr lang="zh-CN" altLang="en-US"/>
               <a:t>单击此处编辑母版文本样式</a:t>
             </a:r>
-            <a:endParaRPr lang="zh-CN" altLang="en-US" smtClean="0"/>
           </a:p>
           <a:p>
             <a:pPr lvl="1"/>
             <a:r>
-              <a:rPr lang="zh-CN" altLang="en-US" smtClean="0"/>
+              <a:rPr lang="zh-CN" altLang="en-US"/>
               <a:t>第二级</a:t>
             </a:r>
-            <a:endParaRPr lang="zh-CN" altLang="en-US" smtClean="0"/>
           </a:p>
           <a:p>
             <a:pPr lvl="2"/>
             <a:r>
-              <a:rPr lang="zh-CN" altLang="en-US" smtClean="0"/>
+              <a:rPr lang="zh-CN" altLang="en-US"/>
               <a:t>第三级</a:t>
             </a:r>
-            <a:endParaRPr lang="zh-CN" altLang="en-US" smtClean="0"/>
           </a:p>
           <a:p>
             <a:pPr lvl="3"/>
             <a:r>
-              <a:rPr lang="zh-CN" altLang="en-US" smtClean="0"/>
+              <a:rPr lang="zh-CN" altLang="en-US"/>
               <a:t>第四级</a:t>
             </a:r>
-            <a:endParaRPr lang="zh-CN" altLang="en-US" smtClean="0"/>
           </a:p>
           <a:p>
             <a:pPr lvl="4"/>
             <a:r>
-              <a:rPr lang="zh-CN" altLang="en-US" smtClean="0"/>
+              <a:rPr lang="zh-CN" altLang="en-US"/>
               <a:t>第五级</a:t>
             </a:r>
-            <a:endParaRPr lang="zh-CN" altLang="en-US"/>
           </a:p>
         </p:txBody>
       </p:sp>
@@ -1634,7 +1654,7 @@
           <p:nvPr>
             <p:ph sz="half" idx="2"/>
             <p:custDataLst>
-              <p:tags r:id="rId4"/>
+              <p:tags r:id="rId3"/>
             </p:custDataLst>
           </p:nvPr>
         </p:nvSpPr>
@@ -1655,7 +1675,6 @@
               <a:rPr lang="zh-CN" altLang="en-US" dirty="0"/>
               <a:t>单击此处编辑母版文本样式</a:t>
             </a:r>
-            <a:endParaRPr lang="zh-CN" altLang="en-US" dirty="0"/>
           </a:p>
           <a:p>
             <a:pPr lvl="1"/>
@@ -1663,7 +1682,6 @@
               <a:rPr lang="zh-CN" altLang="en-US" dirty="0"/>
               <a:t>第二级</a:t>
             </a:r>
-            <a:endParaRPr lang="zh-CN" altLang="en-US" dirty="0"/>
           </a:p>
           <a:p>
             <a:pPr lvl="2"/>
@@ -1671,7 +1689,6 @@
               <a:rPr lang="zh-CN" altLang="en-US" dirty="0"/>
               <a:t>第三级</a:t>
             </a:r>
-            <a:endParaRPr lang="zh-CN" altLang="en-US" dirty="0"/>
           </a:p>
           <a:p>
             <a:pPr lvl="3"/>
@@ -1679,7 +1696,6 @@
               <a:rPr lang="zh-CN" altLang="en-US" dirty="0"/>
               <a:t>第四级</a:t>
             </a:r>
-            <a:endParaRPr lang="zh-CN" altLang="en-US" dirty="0"/>
           </a:p>
           <a:p>
             <a:pPr lvl="4"/>
@@ -1687,7 +1703,6 @@
               <a:rPr lang="zh-CN" altLang="en-US" dirty="0"/>
               <a:t>第五级</a:t>
             </a:r>
-            <a:endParaRPr lang="zh-CN" altLang="en-US" dirty="0"/>
           </a:p>
         </p:txBody>
       </p:sp>
@@ -1700,7 +1715,7 @@
           <p:nvPr>
             <p:ph type="dt" sz="half" idx="10"/>
             <p:custDataLst>
-              <p:tags r:id="rId5"/>
+              <p:tags r:id="rId4"/>
             </p:custDataLst>
           </p:nvPr>
         </p:nvSpPr>
@@ -1711,6 +1726,7 @@
           <a:p>
             <a:fld id="{760FBDFE-C587-4B4C-A407-44438C67B59E}" type="datetimeFigureOut">
               <a:rPr lang="zh-CN" altLang="en-US" smtClean="0"/>
+              <a:t>2022/5/14</a:t>
             </a:fld>
             <a:endParaRPr lang="zh-CN" altLang="en-US"/>
           </a:p>
@@ -1725,7 +1741,7 @@
           <p:nvPr>
             <p:ph type="ftr" sz="quarter" idx="11"/>
             <p:custDataLst>
-              <p:tags r:id="rId6"/>
+              <p:tags r:id="rId5"/>
             </p:custDataLst>
           </p:nvPr>
         </p:nvSpPr>
@@ -1747,7 +1763,7 @@
           <p:nvPr>
             <p:ph type="sldNum" sz="quarter" idx="12"/>
             <p:custDataLst>
-              <p:tags r:id="rId7"/>
+              <p:tags r:id="rId6"/>
             </p:custDataLst>
           </p:nvPr>
         </p:nvSpPr>
@@ -1758,6 +1774,7 @@
           <a:p>
             <a:fld id="{49AE70B2-8BF9-45C0-BB95-33D1B9D3A854}" type="slidenum">
               <a:rPr lang="zh-CN" altLang="en-US" smtClean="0"/>
+              <a:t>‹#›</a:t>
             </a:fld>
             <a:endParaRPr lang="zh-CN" altLang="en-US"/>
           </a:p>
@@ -1797,7 +1814,7 @@
           <p:nvPr>
             <p:ph type="title"/>
             <p:custDataLst>
-              <p:tags r:id="rId2"/>
+              <p:tags r:id="rId1"/>
             </p:custDataLst>
           </p:nvPr>
         </p:nvSpPr>
@@ -1815,10 +1832,9 @@
           <a:p>
             <a:pPr lvl="0"/>
             <a:r>
-              <a:rPr lang="zh-CN" altLang="en-US" smtClean="0"/>
+              <a:rPr lang="zh-CN" altLang="en-US"/>
               <a:t>单击此处编辑母版标题样式</a:t>
             </a:r>
-            <a:endParaRPr lang="zh-CN" altLang="en-US"/>
           </a:p>
         </p:txBody>
       </p:sp>
@@ -1831,7 +1847,7 @@
           <p:nvPr>
             <p:ph type="body" idx="1" hasCustomPrompt="1"/>
             <p:custDataLst>
-              <p:tags r:id="rId3"/>
+              <p:tags r:id="rId2"/>
             </p:custDataLst>
           </p:nvPr>
         </p:nvSpPr>
@@ -1899,7 +1915,6 @@
               <a:rPr lang="zh-CN" altLang="en-US" dirty="0"/>
               <a:t>单击此处编辑文本</a:t>
             </a:r>
-            <a:endParaRPr lang="zh-CN" altLang="en-US" dirty="0"/>
           </a:p>
         </p:txBody>
       </p:sp>
@@ -1912,7 +1927,7 @@
           <p:nvPr>
             <p:ph sz="half" idx="2"/>
             <p:custDataLst>
-              <p:tags r:id="rId4"/>
+              <p:tags r:id="rId3"/>
             </p:custDataLst>
           </p:nvPr>
         </p:nvSpPr>
@@ -1930,42 +1945,37 @@
           <a:p>
             <a:pPr lvl="0"/>
             <a:r>
-              <a:rPr lang="zh-CN" altLang="en-US" smtClean="0"/>
+              <a:rPr lang="zh-CN" altLang="en-US"/>
               <a:t>单击此处编辑母版文本样式</a:t>
             </a:r>
-            <a:endParaRPr lang="zh-CN" altLang="en-US" smtClean="0"/>
           </a:p>
           <a:p>
             <a:pPr lvl="1"/>
             <a:r>
-              <a:rPr lang="zh-CN" altLang="en-US" smtClean="0"/>
+              <a:rPr lang="zh-CN" altLang="en-US"/>
               <a:t>第二级</a:t>
             </a:r>
-            <a:endParaRPr lang="zh-CN" altLang="en-US" smtClean="0"/>
           </a:p>
           <a:p>
             <a:pPr lvl="2"/>
             <a:r>
-              <a:rPr lang="zh-CN" altLang="en-US" smtClean="0"/>
+              <a:rPr lang="zh-CN" altLang="en-US"/>
               <a:t>第三级</a:t>
             </a:r>
-            <a:endParaRPr lang="zh-CN" altLang="en-US" smtClean="0"/>
           </a:p>
           <a:p>
             <a:pPr lvl="3"/>
             <a:r>
-              <a:rPr lang="zh-CN" altLang="en-US" smtClean="0"/>
+              <a:rPr lang="zh-CN" altLang="en-US"/>
               <a:t>第四级</a:t>
             </a:r>
-            <a:endParaRPr lang="zh-CN" altLang="en-US" smtClean="0"/>
           </a:p>
           <a:p>
             <a:pPr lvl="4"/>
             <a:r>
-              <a:rPr lang="zh-CN" altLang="en-US" smtClean="0"/>
+              <a:rPr lang="zh-CN" altLang="en-US"/>
               <a:t>第五级</a:t>
             </a:r>
-            <a:endParaRPr lang="zh-CN" altLang="en-US"/>
           </a:p>
         </p:txBody>
       </p:sp>
@@ -1978,7 +1988,7 @@
           <p:nvPr>
             <p:ph type="body" sz="quarter" idx="3" hasCustomPrompt="1"/>
             <p:custDataLst>
-              <p:tags r:id="rId5"/>
+              <p:tags r:id="rId4"/>
             </p:custDataLst>
           </p:nvPr>
         </p:nvSpPr>
@@ -2043,10 +2053,9 @@
           <a:p>
             <a:pPr lvl="0"/>
             <a:r>
-              <a:rPr lang="zh-CN" altLang="en-US" smtClean="0"/>
+              <a:rPr lang="zh-CN" altLang="en-US"/>
               <a:t>单击此处编辑文本</a:t>
             </a:r>
-            <a:endParaRPr lang="zh-CN" altLang="en-US" smtClean="0"/>
           </a:p>
         </p:txBody>
       </p:sp>
@@ -2059,7 +2068,7 @@
           <p:nvPr>
             <p:ph sz="quarter" idx="4"/>
             <p:custDataLst>
-              <p:tags r:id="rId6"/>
+              <p:tags r:id="rId5"/>
             </p:custDataLst>
           </p:nvPr>
         </p:nvSpPr>
@@ -2077,42 +2086,37 @@
           <a:p>
             <a:pPr lvl="0"/>
             <a:r>
-              <a:rPr lang="zh-CN" altLang="en-US" smtClean="0"/>
+              <a:rPr lang="zh-CN" altLang="en-US"/>
               <a:t>单击此处编辑母版文本样式</a:t>
             </a:r>
-            <a:endParaRPr lang="zh-CN" altLang="en-US" smtClean="0"/>
           </a:p>
           <a:p>
             <a:pPr lvl="1"/>
             <a:r>
-              <a:rPr lang="zh-CN" altLang="en-US" smtClean="0"/>
+              <a:rPr lang="zh-CN" altLang="en-US"/>
               <a:t>第二级</a:t>
             </a:r>
-            <a:endParaRPr lang="zh-CN" altLang="en-US" smtClean="0"/>
           </a:p>
           <a:p>
             <a:pPr lvl="2"/>
             <a:r>
-              <a:rPr lang="zh-CN" altLang="en-US" smtClean="0"/>
+              <a:rPr lang="zh-CN" altLang="en-US"/>
               <a:t>第三级</a:t>
             </a:r>
-            <a:endParaRPr lang="zh-CN" altLang="en-US" smtClean="0"/>
           </a:p>
           <a:p>
             <a:pPr lvl="3"/>
             <a:r>
-              <a:rPr lang="zh-CN" altLang="en-US" smtClean="0"/>
+              <a:rPr lang="zh-CN" altLang="en-US"/>
               <a:t>第四级</a:t>
             </a:r>
-            <a:endParaRPr lang="zh-CN" altLang="en-US" smtClean="0"/>
           </a:p>
           <a:p>
             <a:pPr lvl="4"/>
             <a:r>
-              <a:rPr lang="zh-CN" altLang="en-US" smtClean="0"/>
+              <a:rPr lang="zh-CN" altLang="en-US"/>
               <a:t>第五级</a:t>
             </a:r>
-            <a:endParaRPr lang="zh-CN" altLang="en-US"/>
           </a:p>
         </p:txBody>
       </p:sp>
@@ -2125,7 +2129,7 @@
           <p:nvPr>
             <p:ph type="dt" sz="half" idx="10"/>
             <p:custDataLst>
-              <p:tags r:id="rId7"/>
+              <p:tags r:id="rId6"/>
             </p:custDataLst>
           </p:nvPr>
         </p:nvSpPr>
@@ -2136,6 +2140,7 @@
           <a:p>
             <a:fld id="{760FBDFE-C587-4B4C-A407-44438C67B59E}" type="datetimeFigureOut">
               <a:rPr lang="zh-CN" altLang="en-US" smtClean="0"/>
+              <a:t>2022/5/14</a:t>
             </a:fld>
             <a:endParaRPr lang="zh-CN" altLang="en-US"/>
           </a:p>
@@ -2150,7 +2155,7 @@
           <p:nvPr>
             <p:ph type="ftr" sz="quarter" idx="11"/>
             <p:custDataLst>
-              <p:tags r:id="rId8"/>
+              <p:tags r:id="rId7"/>
             </p:custDataLst>
           </p:nvPr>
         </p:nvSpPr>
@@ -2172,7 +2177,7 @@
           <p:nvPr>
             <p:ph type="sldNum" sz="quarter" idx="12"/>
             <p:custDataLst>
-              <p:tags r:id="rId9"/>
+              <p:tags r:id="rId8"/>
             </p:custDataLst>
           </p:nvPr>
         </p:nvSpPr>
@@ -2183,6 +2188,7 @@
           <a:p>
             <a:fld id="{49AE70B2-8BF9-45C0-BB95-33D1B9D3A854}" type="slidenum">
               <a:rPr lang="zh-CN" altLang="en-US" smtClean="0"/>
+              <a:t>‹#›</a:t>
             </a:fld>
             <a:endParaRPr lang="zh-CN" altLang="en-US"/>
           </a:p>
@@ -2222,7 +2228,7 @@
           <p:nvPr>
             <p:ph type="title"/>
             <p:custDataLst>
-              <p:tags r:id="rId2"/>
+              <p:tags r:id="rId1"/>
             </p:custDataLst>
           </p:nvPr>
         </p:nvSpPr>
@@ -2240,10 +2246,9 @@
           <a:p>
             <a:pPr lvl="0"/>
             <a:r>
-              <a:rPr lang="zh-CN" altLang="en-US" smtClean="0"/>
+              <a:rPr lang="zh-CN" altLang="en-US"/>
               <a:t>单击此处编辑母版标题样式</a:t>
             </a:r>
-            <a:endParaRPr lang="zh-CN" altLang="en-US"/>
           </a:p>
         </p:txBody>
       </p:sp>
@@ -2256,7 +2261,7 @@
           <p:nvPr>
             <p:ph type="dt" sz="half" idx="10"/>
             <p:custDataLst>
-              <p:tags r:id="rId3"/>
+              <p:tags r:id="rId2"/>
             </p:custDataLst>
           </p:nvPr>
         </p:nvSpPr>
@@ -2267,6 +2272,7 @@
           <a:p>
             <a:fld id="{760FBDFE-C587-4B4C-A407-44438C67B59E}" type="datetimeFigureOut">
               <a:rPr lang="zh-CN" altLang="en-US" smtClean="0"/>
+              <a:t>2022/5/14</a:t>
             </a:fld>
             <a:endParaRPr lang="zh-CN" altLang="en-US"/>
           </a:p>
@@ -2281,7 +2287,7 @@
           <p:nvPr>
             <p:ph type="ftr" sz="quarter" idx="11"/>
             <p:custDataLst>
-              <p:tags r:id="rId4"/>
+              <p:tags r:id="rId3"/>
             </p:custDataLst>
           </p:nvPr>
         </p:nvSpPr>
@@ -2303,7 +2309,7 @@
           <p:nvPr>
             <p:ph type="sldNum" sz="quarter" idx="12"/>
             <p:custDataLst>
-              <p:tags r:id="rId5"/>
+              <p:tags r:id="rId4"/>
             </p:custDataLst>
           </p:nvPr>
         </p:nvSpPr>
@@ -2314,6 +2320,7 @@
           <a:p>
             <a:fld id="{49AE70B2-8BF9-45C0-BB95-33D1B9D3A854}" type="slidenum">
               <a:rPr lang="zh-CN" altLang="en-US" smtClean="0"/>
+              <a:t>‹#›</a:t>
             </a:fld>
             <a:endParaRPr lang="zh-CN" altLang="en-US"/>
           </a:p>
@@ -2353,7 +2360,7 @@
           <p:nvPr>
             <p:ph type="dt" sz="half" idx="10"/>
             <p:custDataLst>
-              <p:tags r:id="rId2"/>
+              <p:tags r:id="rId1"/>
             </p:custDataLst>
           </p:nvPr>
         </p:nvSpPr>
@@ -2364,6 +2371,7 @@
           <a:p>
             <a:fld id="{760FBDFE-C587-4B4C-A407-44438C67B59E}" type="datetimeFigureOut">
               <a:rPr lang="zh-CN" altLang="en-US" smtClean="0"/>
+              <a:t>2022/5/14</a:t>
             </a:fld>
             <a:endParaRPr lang="zh-CN" altLang="en-US"/>
           </a:p>
@@ -2378,7 +2386,7 @@
           <p:nvPr>
             <p:ph type="ftr" sz="quarter" idx="11"/>
             <p:custDataLst>
-              <p:tags r:id="rId3"/>
+              <p:tags r:id="rId2"/>
             </p:custDataLst>
           </p:nvPr>
         </p:nvSpPr>
@@ -2400,7 +2408,7 @@
           <p:nvPr>
             <p:ph type="sldNum" sz="quarter" idx="12"/>
             <p:custDataLst>
-              <p:tags r:id="rId4"/>
+              <p:tags r:id="rId3"/>
             </p:custDataLst>
           </p:nvPr>
         </p:nvSpPr>
@@ -2411,6 +2419,7 @@
           <a:p>
             <a:fld id="{49AE70B2-8BF9-45C0-BB95-33D1B9D3A854}" type="slidenum">
               <a:rPr lang="zh-CN" altLang="en-US" smtClean="0"/>
+              <a:t>‹#›</a:t>
             </a:fld>
             <a:endParaRPr lang="zh-CN" altLang="en-US"/>
           </a:p>
@@ -2450,7 +2459,7 @@
           <p:nvPr>
             <p:ph type="pic" idx="1"/>
             <p:custDataLst>
-              <p:tags r:id="rId2"/>
+              <p:tags r:id="rId1"/>
             </p:custDataLst>
           </p:nvPr>
         </p:nvSpPr>
@@ -2485,7 +2494,7 @@
           <p:nvPr>
             <p:ph type="body" sz="half" idx="2"/>
             <p:custDataLst>
-              <p:tags r:id="rId3"/>
+              <p:tags r:id="rId2"/>
             </p:custDataLst>
           </p:nvPr>
         </p:nvSpPr>
@@ -2508,10 +2517,9 @@
           <a:p>
             <a:pPr lvl="0"/>
             <a:r>
-              <a:rPr lang="zh-CN" altLang="en-US" smtClean="0"/>
+              <a:rPr lang="zh-CN" altLang="en-US"/>
               <a:t>单击此处编辑母版文本样式</a:t>
             </a:r>
-            <a:endParaRPr lang="zh-CN" altLang="en-US"/>
           </a:p>
         </p:txBody>
       </p:sp>
@@ -2524,7 +2532,7 @@
           <p:nvPr>
             <p:ph type="dt" sz="half" idx="10"/>
             <p:custDataLst>
-              <p:tags r:id="rId4"/>
+              <p:tags r:id="rId3"/>
             </p:custDataLst>
           </p:nvPr>
         </p:nvSpPr>
@@ -2535,6 +2543,7 @@
           <a:p>
             <a:fld id="{9EFD9D74-47D9-4702-A33C-335B63B48DBF}" type="datetimeFigureOut">
               <a:rPr lang="zh-CN" altLang="en-US" smtClean="0"/>
+              <a:t>2022/5/14</a:t>
             </a:fld>
             <a:endParaRPr lang="zh-CN" altLang="en-US" dirty="0"/>
           </a:p>
@@ -2549,7 +2558,7 @@
           <p:nvPr>
             <p:ph type="ftr" sz="quarter" idx="11"/>
             <p:custDataLst>
-              <p:tags r:id="rId5"/>
+              <p:tags r:id="rId4"/>
             </p:custDataLst>
           </p:nvPr>
         </p:nvSpPr>
@@ -2571,7 +2580,7 @@
           <p:nvPr>
             <p:ph type="sldNum" sz="quarter" idx="12"/>
             <p:custDataLst>
-              <p:tags r:id="rId6"/>
+              <p:tags r:id="rId5"/>
             </p:custDataLst>
           </p:nvPr>
         </p:nvSpPr>
@@ -2582,6 +2591,7 @@
           <a:p>
             <a:fld id="{FABC47A4-756D-490B-A52F-7D9E2C9FC05F}" type="slidenum">
               <a:rPr lang="zh-CN" altLang="en-US" smtClean="0"/>
+              <a:t>‹#›</a:t>
             </a:fld>
             <a:endParaRPr lang="zh-CN" altLang="en-US"/>
           </a:p>
@@ -2596,7 +2606,7 @@
           <p:nvPr>
             <p:ph type="title"/>
             <p:custDataLst>
-              <p:tags r:id="rId7"/>
+              <p:tags r:id="rId6"/>
             </p:custDataLst>
           </p:nvPr>
         </p:nvSpPr>
@@ -2609,7 +2619,6 @@
               <a:rPr lang="zh-CN" altLang="en-US"/>
               <a:t>单击此处编辑母版标题样式</a:t>
             </a:r>
-            <a:endParaRPr lang="zh-CN" altLang="en-US"/>
           </a:p>
         </p:txBody>
       </p:sp>
@@ -2647,7 +2656,7 @@
           <p:nvPr>
             <p:ph type="title" orient="vert" hasCustomPrompt="1"/>
             <p:custDataLst>
-              <p:tags r:id="rId2"/>
+              <p:tags r:id="rId1"/>
             </p:custDataLst>
           </p:nvPr>
         </p:nvSpPr>
@@ -2670,10 +2679,9 @@
           <a:p>
             <a:pPr lvl="0"/>
             <a:r>
-              <a:rPr lang="zh-CN" altLang="en-US" smtClean="0"/>
+              <a:rPr lang="zh-CN" altLang="en-US"/>
               <a:t>单击此处编辑标题</a:t>
             </a:r>
-            <a:endParaRPr lang="zh-CN" altLang="en-US"/>
           </a:p>
         </p:txBody>
       </p:sp>
@@ -2686,7 +2694,7 @@
           <p:nvPr>
             <p:ph type="body" orient="vert" idx="1"/>
             <p:custDataLst>
-              <p:tags r:id="rId3"/>
+              <p:tags r:id="rId2"/>
             </p:custDataLst>
           </p:nvPr>
         </p:nvSpPr>
@@ -2724,7 +2732,6 @@
               <a:rPr lang="zh-CN" altLang="en-US" dirty="0"/>
               <a:t>单击此处编辑母版文本样式</a:t>
             </a:r>
-            <a:endParaRPr lang="zh-CN" altLang="en-US" dirty="0"/>
           </a:p>
           <a:p>
             <a:pPr lvl="1"/>
@@ -2732,7 +2739,6 @@
               <a:rPr lang="zh-CN" altLang="en-US" dirty="0"/>
               <a:t>第二级</a:t>
             </a:r>
-            <a:endParaRPr lang="zh-CN" altLang="en-US" dirty="0"/>
           </a:p>
           <a:p>
             <a:pPr lvl="2"/>
@@ -2740,7 +2746,6 @@
               <a:rPr lang="zh-CN" altLang="en-US" dirty="0"/>
               <a:t>第三级</a:t>
             </a:r>
-            <a:endParaRPr lang="zh-CN" altLang="en-US" dirty="0"/>
           </a:p>
           <a:p>
             <a:pPr lvl="3"/>
@@ -2748,7 +2753,6 @@
               <a:rPr lang="zh-CN" altLang="en-US" dirty="0"/>
               <a:t>第四级</a:t>
             </a:r>
-            <a:endParaRPr lang="zh-CN" altLang="en-US" dirty="0"/>
           </a:p>
           <a:p>
             <a:pPr lvl="4"/>
@@ -2756,7 +2760,6 @@
               <a:rPr lang="zh-CN" altLang="en-US" dirty="0"/>
               <a:t>第五级</a:t>
             </a:r>
-            <a:endParaRPr lang="zh-CN" altLang="en-US" dirty="0"/>
           </a:p>
         </p:txBody>
       </p:sp>
@@ -2769,7 +2772,7 @@
           <p:nvPr>
             <p:ph type="dt" sz="half" idx="10"/>
             <p:custDataLst>
-              <p:tags r:id="rId4"/>
+              <p:tags r:id="rId3"/>
             </p:custDataLst>
           </p:nvPr>
         </p:nvSpPr>
@@ -2780,6 +2783,7 @@
           <a:p>
             <a:fld id="{760FBDFE-C587-4B4C-A407-44438C67B59E}" type="datetimeFigureOut">
               <a:rPr lang="zh-CN" altLang="en-US" smtClean="0"/>
+              <a:t>2022/5/14</a:t>
             </a:fld>
             <a:endParaRPr lang="zh-CN" altLang="en-US"/>
           </a:p>
@@ -2794,7 +2798,7 @@
           <p:nvPr>
             <p:ph type="ftr" sz="quarter" idx="11"/>
             <p:custDataLst>
-              <p:tags r:id="rId5"/>
+              <p:tags r:id="rId4"/>
             </p:custDataLst>
           </p:nvPr>
         </p:nvSpPr>
@@ -2816,7 +2820,7 @@
           <p:nvPr>
             <p:ph type="sldNum" sz="quarter" idx="12"/>
             <p:custDataLst>
-              <p:tags r:id="rId6"/>
+              <p:tags r:id="rId5"/>
             </p:custDataLst>
           </p:nvPr>
         </p:nvSpPr>
@@ -2827,6 +2831,7 @@
           <a:p>
             <a:fld id="{49AE70B2-8BF9-45C0-BB95-33D1B9D3A854}" type="slidenum">
               <a:rPr lang="zh-CN" altLang="en-US" smtClean="0"/>
+              <a:t>‹#›</a:t>
             </a:fld>
             <a:endParaRPr lang="zh-CN" altLang="en-US"/>
           </a:p>
@@ -2871,7 +2876,7 @@
           <p:nvPr>
             <p:ph type="title"/>
             <p:custDataLst>
-              <p:tags r:id="rId12"/>
+              <p:tags r:id="rId14"/>
             </p:custDataLst>
           </p:nvPr>
         </p:nvSpPr>
@@ -2894,7 +2899,6 @@
               <a:rPr lang="zh-CN" altLang="en-US" dirty="0"/>
               <a:t>单击此处编辑母版标题样式</a:t>
             </a:r>
-            <a:endParaRPr lang="zh-CN" altLang="en-US" dirty="0"/>
           </a:p>
         </p:txBody>
       </p:sp>
@@ -2907,7 +2911,7 @@
           <p:nvPr>
             <p:ph type="body" idx="1"/>
             <p:custDataLst>
-              <p:tags r:id="rId13"/>
+              <p:tags r:id="rId15"/>
             </p:custDataLst>
           </p:nvPr>
         </p:nvSpPr>
@@ -2931,7 +2935,6 @@
               <a:rPr lang="zh-CN" altLang="en-US" dirty="0"/>
               <a:t>单击此处编辑母版文本样式</a:t>
             </a:r>
-            <a:endParaRPr lang="zh-CN" altLang="en-US" dirty="0"/>
           </a:p>
           <a:p>
             <a:pPr lvl="1"/>
@@ -2939,7 +2942,6 @@
               <a:rPr lang="zh-CN" altLang="en-US" dirty="0"/>
               <a:t>第二级</a:t>
             </a:r>
-            <a:endParaRPr lang="zh-CN" altLang="en-US" dirty="0"/>
           </a:p>
           <a:p>
             <a:pPr lvl="2"/>
@@ -2947,7 +2949,6 @@
               <a:rPr lang="zh-CN" altLang="en-US" dirty="0"/>
               <a:t>第三级</a:t>
             </a:r>
-            <a:endParaRPr lang="zh-CN" altLang="en-US" dirty="0"/>
           </a:p>
           <a:p>
             <a:pPr lvl="3"/>
@@ -2955,7 +2956,6 @@
               <a:rPr lang="zh-CN" altLang="en-US" dirty="0"/>
               <a:t>第四级</a:t>
             </a:r>
-            <a:endParaRPr lang="zh-CN" altLang="en-US" dirty="0"/>
           </a:p>
           <a:p>
             <a:pPr lvl="4"/>
@@ -2963,7 +2963,6 @@
               <a:rPr lang="zh-CN" altLang="en-US" dirty="0"/>
               <a:t>第五级</a:t>
             </a:r>
-            <a:endParaRPr lang="zh-CN" altLang="en-US" dirty="0"/>
           </a:p>
         </p:txBody>
       </p:sp>
@@ -2976,7 +2975,7 @@
           <p:nvPr>
             <p:ph type="dt" sz="half" idx="2"/>
             <p:custDataLst>
-              <p:tags r:id="rId14"/>
+              <p:tags r:id="rId16"/>
             </p:custDataLst>
           </p:nvPr>
         </p:nvSpPr>
@@ -3007,6 +3006,7 @@
           <a:p>
             <a:fld id="{760FBDFE-C587-4B4C-A407-44438C67B59E}" type="datetimeFigureOut">
               <a:rPr lang="zh-CN" altLang="en-US" smtClean="0"/>
+              <a:t>2022/5/14</a:t>
             </a:fld>
             <a:endParaRPr lang="zh-CN" altLang="en-US"/>
           </a:p>
@@ -3021,7 +3021,7 @@
           <p:nvPr>
             <p:ph type="ftr" sz="quarter" idx="3"/>
             <p:custDataLst>
-              <p:tags r:id="rId15"/>
+              <p:tags r:id="rId17"/>
             </p:custDataLst>
           </p:nvPr>
         </p:nvSpPr>
@@ -3063,7 +3063,7 @@
           <p:nvPr>
             <p:ph type="sldNum" sz="quarter" idx="4"/>
             <p:custDataLst>
-              <p:tags r:id="rId16"/>
+              <p:tags r:id="rId18"/>
             </p:custDataLst>
           </p:nvPr>
         </p:nvSpPr>
@@ -3094,6 +3094,7 @@
           <a:p>
             <a:fld id="{49AE70B2-8BF9-45C0-BB95-33D1B9D3A854}" type="slidenum">
               <a:rPr lang="zh-CN" altLang="en-US" smtClean="0"/>
+              <a:t>‹#›</a:t>
             </a:fld>
             <a:endParaRPr lang="zh-CN" altLang="en-US" dirty="0"/>
           </a:p>
@@ -3101,7 +3102,7 @@
       </p:sp>
     </p:spTree>
     <p:custDataLst>
-      <p:tags r:id="rId17"/>
+      <p:tags r:id="rId13"/>
     </p:custDataLst>
   </p:cSld>
   <p:clrMap bg1="lt1" tx1="dk1" bg2="lt2" tx2="dk2" accent1="accent1" accent2="accent2" accent3="accent3" accent4="accent4" accent5="accent5" accent6="accent6" hlink="hlink" folHlink="folHlink"/>
@@ -3478,7 +3479,7 @@
           <p:nvPr/>
         </p:nvPicPr>
         <p:blipFill>
-          <a:blip r:embed="rId1"/>
+          <a:blip r:embed="rId4"/>
           <a:stretch>
             <a:fillRect/>
           </a:stretch>
@@ -3502,7 +3503,7 @@
           <p:nvPr/>
         </p:nvPicPr>
         <p:blipFill>
-          <a:blip r:embed="rId2"/>
+          <a:blip r:embed="rId5"/>
           <a:stretch>
             <a:fillRect/>
           </a:stretch>
@@ -3526,7 +3527,7 @@
           <p:nvPr/>
         </p:nvPicPr>
         <p:blipFill>
-          <a:blip r:embed="rId3"/>
+          <a:blip r:embed="rId6"/>
           <a:stretch>
             <a:fillRect/>
           </a:stretch>
@@ -3550,7 +3551,7 @@
           <p:nvPr/>
         </p:nvPicPr>
         <p:blipFill>
-          <a:blip r:embed="rId4"/>
+          <a:blip r:embed="rId7"/>
           <a:stretch>
             <a:fillRect/>
           </a:stretch>
@@ -3574,7 +3575,7 @@
           <p:nvPr/>
         </p:nvPicPr>
         <p:blipFill>
-          <a:blip r:embed="rId5"/>
+          <a:blip r:embed="rId8"/>
           <a:stretch>
             <a:fillRect/>
           </a:stretch>
@@ -3637,6 +3638,7 @@
         </p:style>
         <p:txBody>
           <a:bodyPr rtlCol="0" anchor="ctr"/>
+          <a:lstStyle/>
           <a:p>
             <a:pPr algn="ctr"/>
             <a:endParaRPr lang="zh-CN" altLang="en-US"/>
@@ -3785,22 +3787,28 @@
       </p:cxnSp>
       <p:sp>
         <p:nvSpPr>
-          <p:cNvPr id="18" name="椭圆 17"/>
+          <p:cNvPr id="2" name="矩形 1">
+            <a:extLst>
+              <a:ext uri="{FF2B5EF4-FFF2-40B4-BE49-F238E27FC236}">
+                <a16:creationId xmlns:a16="http://schemas.microsoft.com/office/drawing/2014/main" id="{253A7DA1-CF97-0721-3F93-48E7695CEBCC}"/>
+              </a:ext>
+            </a:extLst>
+          </p:cNvPr>
           <p:cNvSpPr/>
           <p:nvPr/>
         </p:nvSpPr>
         <p:spPr>
           <a:xfrm>
-            <a:off x="46990" y="3362325"/>
-            <a:ext cx="500380" cy="493395"/>
+            <a:off x="26517" y="3429000"/>
+            <a:ext cx="448146" cy="448146"/>
           </a:xfrm>
-          <a:prstGeom prst="ellipse">
+          <a:prstGeom prst="rect">
             <a:avLst/>
           </a:prstGeom>
           <a:solidFill>
             <a:schemeClr val="bg1"/>
           </a:solidFill>
-          <a:ln w="25400">
+          <a:ln w="28575">
             <a:solidFill>
               <a:schemeClr val="tx1"/>
             </a:solidFill>
@@ -3824,67 +3832,53 @@
         </p:style>
         <p:txBody>
           <a:bodyPr rtlCol="0" anchor="ctr"/>
+          <a:lstStyle/>
           <a:p>
             <a:pPr algn="ctr"/>
-            <a:endParaRPr lang="zh-CN" altLang="en-US"/>
-          </a:p>
-        </p:txBody>
-      </p:sp>
-      <p:sp>
-        <p:nvSpPr>
-          <p:cNvPr id="19" name="文本框 18"/>
-          <p:cNvSpPr txBox="1"/>
+            <a:r>
+              <a:rPr lang="en-US" altLang="zh-CN" sz="3200" dirty="0">
+                <a:solidFill>
+                  <a:schemeClr val="tx1"/>
+                </a:solidFill>
+                <a:latin typeface="Times New Roman" panose="02020603050405020304" pitchFamily="18" charset="0"/>
+                <a:cs typeface="Times New Roman" panose="02020603050405020304" pitchFamily="18" charset="0"/>
+              </a:rPr>
+              <a:t>1</a:t>
+            </a:r>
+            <a:endParaRPr lang="zh-CN" altLang="en-US" sz="3200" dirty="0">
+              <a:solidFill>
+                <a:schemeClr val="tx1"/>
+              </a:solidFill>
+              <a:latin typeface="Times New Roman" panose="02020603050405020304" pitchFamily="18" charset="0"/>
+              <a:cs typeface="Times New Roman" panose="02020603050405020304" pitchFamily="18" charset="0"/>
+            </a:endParaRPr>
+          </a:p>
+        </p:txBody>
+      </p:sp>
+      <p:sp>
+        <p:nvSpPr>
+          <p:cNvPr id="28" name="矩形 27">
+            <a:extLst>
+              <a:ext uri="{FF2B5EF4-FFF2-40B4-BE49-F238E27FC236}">
+                <a16:creationId xmlns:a16="http://schemas.microsoft.com/office/drawing/2014/main" id="{1C0CD8EF-6F40-A8A9-FD60-7ECA6D9D6CDE}"/>
+              </a:ext>
+            </a:extLst>
+          </p:cNvPr>
+          <p:cNvSpPr/>
           <p:nvPr/>
         </p:nvSpPr>
         <p:spPr>
           <a:xfrm>
-            <a:off x="113665" y="3310255"/>
-            <a:ext cx="392430" cy="583565"/>
+            <a:off x="21317" y="6371754"/>
+            <a:ext cx="448146" cy="448146"/>
           </a:xfrm>
           <a:prstGeom prst="rect">
-            <a:avLst/>
-          </a:prstGeom>
-          <a:noFill/>
-        </p:spPr>
-        <p:txBody>
-          <a:bodyPr wrap="square" rtlCol="0">
-            <a:spAutoFit/>
-          </a:bodyPr>
-          <a:p>
-            <a:r>
-              <a:rPr lang="en-US" altLang="zh-CN" sz="3200">
-                <a:latin typeface="Times New Roman" panose="02020603050405020304" charset="0"/>
-                <a:ea typeface="微软雅黑 Light" panose="020B0502040204020203" charset="-122"/>
-                <a:cs typeface="Times New Roman" panose="02020603050405020304" charset="0"/>
-              </a:rPr>
-              <a:t>1</a:t>
-            </a:r>
-            <a:endParaRPr lang="en-US" altLang="zh-CN" sz="3200">
-              <a:latin typeface="Times New Roman" panose="02020603050405020304" charset="0"/>
-              <a:ea typeface="微软雅黑 Light" panose="020B0502040204020203" charset="-122"/>
-              <a:cs typeface="Times New Roman" panose="02020603050405020304" charset="0"/>
-            </a:endParaRPr>
-          </a:p>
-        </p:txBody>
-      </p:sp>
-      <p:sp>
-        <p:nvSpPr>
-          <p:cNvPr id="20" name="椭圆 19"/>
-          <p:cNvSpPr/>
-          <p:nvPr/>
-        </p:nvSpPr>
-        <p:spPr>
-          <a:xfrm>
-            <a:off x="8823325" y="3362325"/>
-            <a:ext cx="500380" cy="493395"/>
-          </a:xfrm>
-          <a:prstGeom prst="ellipse">
             <a:avLst/>
           </a:prstGeom>
           <a:solidFill>
             <a:schemeClr val="bg1"/>
           </a:solidFill>
-          <a:ln w="25400">
+          <a:ln w="28575">
             <a:solidFill>
               <a:schemeClr val="tx1"/>
             </a:solidFill>
@@ -3908,67 +3902,53 @@
         </p:style>
         <p:txBody>
           <a:bodyPr rtlCol="0" anchor="ctr"/>
+          <a:lstStyle/>
           <a:p>
             <a:pPr algn="ctr"/>
-            <a:endParaRPr lang="zh-CN" altLang="en-US"/>
-          </a:p>
-        </p:txBody>
-      </p:sp>
-      <p:sp>
-        <p:nvSpPr>
-          <p:cNvPr id="21" name="文本框 20"/>
-          <p:cNvSpPr txBox="1"/>
+            <a:r>
+              <a:rPr lang="en-US" altLang="zh-CN" sz="3200" dirty="0">
+                <a:solidFill>
+                  <a:schemeClr val="tx1"/>
+                </a:solidFill>
+                <a:latin typeface="Times New Roman" panose="02020603050405020304" pitchFamily="18" charset="0"/>
+                <a:cs typeface="Times New Roman" panose="02020603050405020304" pitchFamily="18" charset="0"/>
+              </a:rPr>
+              <a:t>3</a:t>
+            </a:r>
+            <a:endParaRPr lang="zh-CN" altLang="en-US" sz="3200" dirty="0">
+              <a:solidFill>
+                <a:schemeClr val="tx1"/>
+              </a:solidFill>
+              <a:latin typeface="Times New Roman" panose="02020603050405020304" pitchFamily="18" charset="0"/>
+              <a:cs typeface="Times New Roman" panose="02020603050405020304" pitchFamily="18" charset="0"/>
+            </a:endParaRPr>
+          </a:p>
+        </p:txBody>
+      </p:sp>
+      <p:sp>
+        <p:nvSpPr>
+          <p:cNvPr id="29" name="矩形 28">
+            <a:extLst>
+              <a:ext uri="{FF2B5EF4-FFF2-40B4-BE49-F238E27FC236}">
+                <a16:creationId xmlns:a16="http://schemas.microsoft.com/office/drawing/2014/main" id="{D5F0FA1B-7870-045B-8E14-26AC34CB7045}"/>
+              </a:ext>
+            </a:extLst>
+          </p:cNvPr>
+          <p:cNvSpPr/>
           <p:nvPr/>
         </p:nvSpPr>
         <p:spPr>
           <a:xfrm>
-            <a:off x="8877300" y="3310255"/>
-            <a:ext cx="392430" cy="583565"/>
+            <a:off x="8795486" y="3431726"/>
+            <a:ext cx="448146" cy="448146"/>
           </a:xfrm>
           <a:prstGeom prst="rect">
-            <a:avLst/>
-          </a:prstGeom>
-          <a:noFill/>
-        </p:spPr>
-        <p:txBody>
-          <a:bodyPr wrap="square" rtlCol="0">
-            <a:spAutoFit/>
-          </a:bodyPr>
-          <a:p>
-            <a:r>
-              <a:rPr lang="en-US" altLang="zh-CN" sz="3200">
-                <a:latin typeface="Times New Roman" panose="02020603050405020304" charset="0"/>
-                <a:ea typeface="微软雅黑 Light" panose="020B0502040204020203" charset="-122"/>
-                <a:cs typeface="Times New Roman" panose="02020603050405020304" charset="0"/>
-              </a:rPr>
-              <a:t>2</a:t>
-            </a:r>
-            <a:endParaRPr lang="en-US" altLang="zh-CN" sz="3200">
-              <a:latin typeface="Times New Roman" panose="02020603050405020304" charset="0"/>
-              <a:ea typeface="微软雅黑 Light" panose="020B0502040204020203" charset="-122"/>
-              <a:cs typeface="Times New Roman" panose="02020603050405020304" charset="0"/>
-            </a:endParaRPr>
-          </a:p>
-        </p:txBody>
-      </p:sp>
-      <p:sp>
-        <p:nvSpPr>
-          <p:cNvPr id="22" name="椭圆 21"/>
-          <p:cNvSpPr/>
-          <p:nvPr/>
-        </p:nvSpPr>
-        <p:spPr>
-          <a:xfrm>
-            <a:off x="50165" y="6302375"/>
-            <a:ext cx="500380" cy="493395"/>
-          </a:xfrm>
-          <a:prstGeom prst="ellipse">
             <a:avLst/>
           </a:prstGeom>
           <a:solidFill>
             <a:schemeClr val="bg1"/>
           </a:solidFill>
-          <a:ln w="25400">
+          <a:ln w="28575">
             <a:solidFill>
               <a:schemeClr val="tx1"/>
             </a:solidFill>
@@ -3992,67 +3972,53 @@
         </p:style>
         <p:txBody>
           <a:bodyPr rtlCol="0" anchor="ctr"/>
+          <a:lstStyle/>
           <a:p>
             <a:pPr algn="ctr"/>
-            <a:endParaRPr lang="zh-CN" altLang="en-US"/>
-          </a:p>
-        </p:txBody>
-      </p:sp>
-      <p:sp>
-        <p:nvSpPr>
-          <p:cNvPr id="23" name="文本框 22"/>
-          <p:cNvSpPr txBox="1"/>
+            <a:r>
+              <a:rPr lang="en-US" altLang="zh-CN" sz="3200" dirty="0">
+                <a:solidFill>
+                  <a:schemeClr val="tx1"/>
+                </a:solidFill>
+                <a:latin typeface="Times New Roman" panose="02020603050405020304" pitchFamily="18" charset="0"/>
+                <a:cs typeface="Times New Roman" panose="02020603050405020304" pitchFamily="18" charset="0"/>
+              </a:rPr>
+              <a:t>2</a:t>
+            </a:r>
+            <a:endParaRPr lang="zh-CN" altLang="en-US" sz="3200" dirty="0">
+              <a:solidFill>
+                <a:schemeClr val="tx1"/>
+              </a:solidFill>
+              <a:latin typeface="Times New Roman" panose="02020603050405020304" pitchFamily="18" charset="0"/>
+              <a:cs typeface="Times New Roman" panose="02020603050405020304" pitchFamily="18" charset="0"/>
+            </a:endParaRPr>
+          </a:p>
+        </p:txBody>
+      </p:sp>
+      <p:sp>
+        <p:nvSpPr>
+          <p:cNvPr id="30" name="矩形 29">
+            <a:extLst>
+              <a:ext uri="{FF2B5EF4-FFF2-40B4-BE49-F238E27FC236}">
+                <a16:creationId xmlns:a16="http://schemas.microsoft.com/office/drawing/2014/main" id="{A30DF3BE-2FF0-72DF-BD8D-08268E79338A}"/>
+              </a:ext>
+            </a:extLst>
+          </p:cNvPr>
+          <p:cNvSpPr/>
           <p:nvPr/>
         </p:nvSpPr>
         <p:spPr>
           <a:xfrm>
-            <a:off x="107315" y="6256020"/>
-            <a:ext cx="392430" cy="583565"/>
+            <a:off x="5031517" y="6375709"/>
+            <a:ext cx="448146" cy="448146"/>
           </a:xfrm>
           <a:prstGeom prst="rect">
-            <a:avLst/>
-          </a:prstGeom>
-          <a:noFill/>
-        </p:spPr>
-        <p:txBody>
-          <a:bodyPr wrap="square" rtlCol="0">
-            <a:spAutoFit/>
-          </a:bodyPr>
-          <a:p>
-            <a:r>
-              <a:rPr lang="en-US" altLang="zh-CN" sz="3200">
-                <a:latin typeface="Times New Roman" panose="02020603050405020304" charset="0"/>
-                <a:ea typeface="微软雅黑 Light" panose="020B0502040204020203" charset="-122"/>
-                <a:cs typeface="Times New Roman" panose="02020603050405020304" charset="0"/>
-              </a:rPr>
-              <a:t>3</a:t>
-            </a:r>
-            <a:endParaRPr lang="en-US" altLang="zh-CN" sz="3200">
-              <a:latin typeface="Times New Roman" panose="02020603050405020304" charset="0"/>
-              <a:ea typeface="微软雅黑 Light" panose="020B0502040204020203" charset="-122"/>
-              <a:cs typeface="Times New Roman" panose="02020603050405020304" charset="0"/>
-            </a:endParaRPr>
-          </a:p>
-        </p:txBody>
-      </p:sp>
-      <p:sp>
-        <p:nvSpPr>
-          <p:cNvPr id="24" name="椭圆 23"/>
-          <p:cNvSpPr/>
-          <p:nvPr/>
-        </p:nvSpPr>
-        <p:spPr>
-          <a:xfrm>
-            <a:off x="5049520" y="6304915"/>
-            <a:ext cx="500380" cy="493395"/>
-          </a:xfrm>
-          <a:prstGeom prst="ellipse">
             <a:avLst/>
           </a:prstGeom>
           <a:solidFill>
             <a:schemeClr val="bg1"/>
           </a:solidFill>
-          <a:ln w="25400">
+          <a:ln w="28575">
             <a:solidFill>
               <a:schemeClr val="tx1"/>
             </a:solidFill>
@@ -4076,67 +4042,53 @@
         </p:style>
         <p:txBody>
           <a:bodyPr rtlCol="0" anchor="ctr"/>
+          <a:lstStyle/>
           <a:p>
             <a:pPr algn="ctr"/>
-            <a:endParaRPr lang="zh-CN" altLang="en-US"/>
-          </a:p>
-        </p:txBody>
-      </p:sp>
-      <p:sp>
-        <p:nvSpPr>
-          <p:cNvPr id="25" name="文本框 24"/>
-          <p:cNvSpPr txBox="1"/>
+            <a:r>
+              <a:rPr lang="en-US" altLang="zh-CN" sz="3200" dirty="0">
+                <a:solidFill>
+                  <a:schemeClr val="tx1"/>
+                </a:solidFill>
+                <a:latin typeface="Times New Roman" panose="02020603050405020304" pitchFamily="18" charset="0"/>
+                <a:cs typeface="Times New Roman" panose="02020603050405020304" pitchFamily="18" charset="0"/>
+              </a:rPr>
+              <a:t>4</a:t>
+            </a:r>
+            <a:endParaRPr lang="zh-CN" altLang="en-US" sz="3200" dirty="0">
+              <a:solidFill>
+                <a:schemeClr val="tx1"/>
+              </a:solidFill>
+              <a:latin typeface="Times New Roman" panose="02020603050405020304" pitchFamily="18" charset="0"/>
+              <a:cs typeface="Times New Roman" panose="02020603050405020304" pitchFamily="18" charset="0"/>
+            </a:endParaRPr>
+          </a:p>
+        </p:txBody>
+      </p:sp>
+      <p:sp>
+        <p:nvSpPr>
+          <p:cNvPr id="31" name="矩形 30">
+            <a:extLst>
+              <a:ext uri="{FF2B5EF4-FFF2-40B4-BE49-F238E27FC236}">
+                <a16:creationId xmlns:a16="http://schemas.microsoft.com/office/drawing/2014/main" id="{8BB313DE-6698-52F4-8465-B2E46849E1B2}"/>
+              </a:ext>
+            </a:extLst>
+          </p:cNvPr>
+          <p:cNvSpPr/>
           <p:nvPr/>
         </p:nvSpPr>
         <p:spPr>
           <a:xfrm>
-            <a:off x="5088890" y="6249035"/>
-            <a:ext cx="392430" cy="583565"/>
+            <a:off x="11533062" y="6369132"/>
+            <a:ext cx="448146" cy="448146"/>
           </a:xfrm>
           <a:prstGeom prst="rect">
-            <a:avLst/>
-          </a:prstGeom>
-          <a:noFill/>
-        </p:spPr>
-        <p:txBody>
-          <a:bodyPr wrap="square" rtlCol="0">
-            <a:spAutoFit/>
-          </a:bodyPr>
-          <a:p>
-            <a:r>
-              <a:rPr lang="en-US" altLang="zh-CN" sz="3200">
-                <a:latin typeface="Times New Roman" panose="02020603050405020304" charset="0"/>
-                <a:ea typeface="微软雅黑 Light" panose="020B0502040204020203" charset="-122"/>
-                <a:cs typeface="Times New Roman" panose="02020603050405020304" charset="0"/>
-              </a:rPr>
-              <a:t>4</a:t>
-            </a:r>
-            <a:endParaRPr lang="en-US" altLang="zh-CN" sz="3200">
-              <a:latin typeface="Times New Roman" panose="02020603050405020304" charset="0"/>
-              <a:ea typeface="微软雅黑 Light" panose="020B0502040204020203" charset="-122"/>
-              <a:cs typeface="Times New Roman" panose="02020603050405020304" charset="0"/>
-            </a:endParaRPr>
-          </a:p>
-        </p:txBody>
-      </p:sp>
-      <p:sp>
-        <p:nvSpPr>
-          <p:cNvPr id="26" name="椭圆 25"/>
-          <p:cNvSpPr/>
-          <p:nvPr/>
-        </p:nvSpPr>
-        <p:spPr>
-          <a:xfrm>
-            <a:off x="11548745" y="6304915"/>
-            <a:ext cx="500380" cy="493395"/>
-          </a:xfrm>
-          <a:prstGeom prst="ellipse">
             <a:avLst/>
           </a:prstGeom>
           <a:solidFill>
             <a:schemeClr val="bg1"/>
           </a:solidFill>
-          <a:ln w="25400">
+          <a:ln w="28575">
             <a:solidFill>
               <a:schemeClr val="tx1"/>
             </a:solidFill>
@@ -4160,52 +4112,32 @@
         </p:style>
         <p:txBody>
           <a:bodyPr rtlCol="0" anchor="ctr"/>
+          <a:lstStyle/>
           <a:p>
             <a:pPr algn="ctr"/>
-            <a:endParaRPr lang="zh-CN" altLang="en-US"/>
-          </a:p>
-        </p:txBody>
-      </p:sp>
-      <p:sp>
-        <p:nvSpPr>
-          <p:cNvPr id="27" name="文本框 26"/>
-          <p:cNvSpPr txBox="1"/>
-          <p:nvPr/>
-        </p:nvSpPr>
-        <p:spPr>
-          <a:xfrm>
-            <a:off x="11605260" y="6269990"/>
-            <a:ext cx="392430" cy="583565"/>
-          </a:xfrm>
-          <a:prstGeom prst="rect">
-            <a:avLst/>
-          </a:prstGeom>
-          <a:noFill/>
-        </p:spPr>
-        <p:txBody>
-          <a:bodyPr wrap="square" rtlCol="0">
-            <a:spAutoFit/>
-          </a:bodyPr>
-          <a:p>
-            <a:r>
-              <a:rPr lang="en-US" altLang="zh-CN" sz="3200">
-                <a:latin typeface="Times New Roman" panose="02020603050405020304" charset="0"/>
-                <a:ea typeface="微软雅黑 Light" panose="020B0502040204020203" charset="-122"/>
-                <a:cs typeface="Times New Roman" panose="02020603050405020304" charset="0"/>
+            <a:r>
+              <a:rPr lang="en-US" altLang="zh-CN" sz="3200" dirty="0">
+                <a:solidFill>
+                  <a:schemeClr val="tx1"/>
+                </a:solidFill>
+                <a:latin typeface="Times New Roman" panose="02020603050405020304" pitchFamily="18" charset="0"/>
+                <a:cs typeface="Times New Roman" panose="02020603050405020304" pitchFamily="18" charset="0"/>
               </a:rPr>
               <a:t>5</a:t>
             </a:r>
-            <a:endParaRPr lang="en-US" altLang="zh-CN" sz="3200">
-              <a:latin typeface="Times New Roman" panose="02020603050405020304" charset="0"/>
-              <a:ea typeface="微软雅黑 Light" panose="020B0502040204020203" charset="-122"/>
-              <a:cs typeface="Times New Roman" panose="02020603050405020304" charset="0"/>
+            <a:endParaRPr lang="zh-CN" altLang="en-US" sz="3200" dirty="0">
+              <a:solidFill>
+                <a:schemeClr val="tx1"/>
+              </a:solidFill>
+              <a:latin typeface="Times New Roman" panose="02020603050405020304" pitchFamily="18" charset="0"/>
+              <a:cs typeface="Times New Roman" panose="02020603050405020304" pitchFamily="18" charset="0"/>
             </a:endParaRPr>
           </a:p>
         </p:txBody>
       </p:sp>
     </p:spTree>
     <p:custDataLst>
-      <p:tags r:id="rId6"/>
+      <p:tags r:id="rId1"/>
     </p:custDataLst>
   </p:cSld>
   <p:clrMapOvr>
@@ -4215,7 +4147,13 @@
 </file>
 
 <file path=ppt/tags/tag1.xml><?xml version="1.0" encoding="utf-8"?>
-<p:tagLst xmlns:p="http://schemas.openxmlformats.org/presentationml/2006/main">
+<p:tagLst xmlns:a="http://schemas.openxmlformats.org/drawingml/2006/main" xmlns:r="http://schemas.openxmlformats.org/officeDocument/2006/relationships" xmlns:p="http://schemas.openxmlformats.org/presentationml/2006/main">
+  <p:tag name="COMMONDATA" val="eyJoZGlkIjoiMzBkNjg2YTRkMGE1OGRhYmZjNTZlNzhiMWEyYTY2MTEifQ=="/>
+</p:tagLst>
+</file>
+
+<file path=ppt/tags/tag10.xml><?xml version="1.0" encoding="utf-8"?>
+<p:tagLst xmlns:a="http://schemas.openxmlformats.org/drawingml/2006/main" xmlns:r="http://schemas.openxmlformats.org/officeDocument/2006/relationships" xmlns:p="http://schemas.openxmlformats.org/presentationml/2006/main">
   <p:tag name="KSO_WM_UNIT_HIGHLIGHT" val="0"/>
   <p:tag name="KSO_WM_UNIT_COMPATIBLE" val="0"/>
   <p:tag name="KSO_WM_UNIT_DIAGRAM_ISNUMVISUAL" val="0"/>
@@ -4227,8 +4165,34 @@
 </p:tagLst>
 </file>
 
-<file path=ppt/tags/tag10.xml><?xml version="1.0" encoding="utf-8"?>
-<p:tagLst xmlns:p="http://schemas.openxmlformats.org/presentationml/2006/main">
+<file path=ppt/tags/tag11.xml><?xml version="1.0" encoding="utf-8"?>
+<p:tagLst xmlns:a="http://schemas.openxmlformats.org/drawingml/2006/main" xmlns:r="http://schemas.openxmlformats.org/officeDocument/2006/relationships" xmlns:p="http://schemas.openxmlformats.org/presentationml/2006/main">
+  <p:tag name="KSO_WM_UNIT_HIGHLIGHT" val="0"/>
+  <p:tag name="KSO_WM_UNIT_COMPATIBLE" val="0"/>
+  <p:tag name="KSO_WM_UNIT_DIAGRAM_ISNUMVISUAL" val="0"/>
+  <p:tag name="KSO_WM_UNIT_DIAGRAM_ISREFERUNIT" val="0"/>
+  <p:tag name="KSO_WM_UNIT_ID" val="_1**"/>
+  <p:tag name="KSO_WM_UNIT_LAYERLEVEL" val="1"/>
+  <p:tag name="KSO_WM_TAG_VERSION" val="1.0"/>
+  <p:tag name="KSO_WM_BEAUTIFY_FLAG" val="#wm#"/>
+</p:tagLst>
+</file>
+
+<file path=ppt/tags/tag12.xml><?xml version="1.0" encoding="utf-8"?>
+<p:tagLst xmlns:a="http://schemas.openxmlformats.org/drawingml/2006/main" xmlns:r="http://schemas.openxmlformats.org/officeDocument/2006/relationships" xmlns:p="http://schemas.openxmlformats.org/presentationml/2006/main">
+  <p:tag name="KSO_WM_UNIT_HIGHLIGHT" val="0"/>
+  <p:tag name="KSO_WM_UNIT_COMPATIBLE" val="0"/>
+  <p:tag name="KSO_WM_UNIT_DIAGRAM_ISNUMVISUAL" val="0"/>
+  <p:tag name="KSO_WM_UNIT_DIAGRAM_ISREFERUNIT" val="0"/>
+  <p:tag name="KSO_WM_UNIT_ID" val="_1**"/>
+  <p:tag name="KSO_WM_UNIT_LAYERLEVEL" val="1"/>
+  <p:tag name="KSO_WM_TAG_VERSION" val="1.0"/>
+  <p:tag name="KSO_WM_BEAUTIFY_FLAG" val="#wm#"/>
+</p:tagLst>
+</file>
+
+<file path=ppt/tags/tag13.xml><?xml version="1.0" encoding="utf-8"?>
+<p:tagLst xmlns:a="http://schemas.openxmlformats.org/drawingml/2006/main" xmlns:r="http://schemas.openxmlformats.org/officeDocument/2006/relationships" xmlns:p="http://schemas.openxmlformats.org/presentationml/2006/main">
   <p:tag name="KSO_WM_UNIT_HIGHLIGHT" val="0"/>
   <p:tag name="KSO_WM_UNIT_COMPATIBLE" val="0"/>
   <p:tag name="KSO_WM_UNIT_DIAGRAM_ISNUMVISUAL" val="0"/>
@@ -4240,8 +4204,60 @@
 </p:tagLst>
 </file>
 
-<file path=ppt/tags/tag11.xml><?xml version="1.0" encoding="utf-8"?>
-<p:tagLst xmlns:p="http://schemas.openxmlformats.org/presentationml/2006/main">
+<file path=ppt/tags/tag14.xml><?xml version="1.0" encoding="utf-8"?>
+<p:tagLst xmlns:a="http://schemas.openxmlformats.org/drawingml/2006/main" xmlns:r="http://schemas.openxmlformats.org/officeDocument/2006/relationships" xmlns:p="http://schemas.openxmlformats.org/presentationml/2006/main">
+  <p:tag name="KSO_WM_UNIT_HIGHLIGHT" val="0"/>
+  <p:tag name="KSO_WM_UNIT_COMPATIBLE" val="0"/>
+  <p:tag name="KSO_WM_UNIT_DIAGRAM_ISNUMVISUAL" val="0"/>
+  <p:tag name="KSO_WM_UNIT_DIAGRAM_ISREFERUNIT" val="0"/>
+  <p:tag name="KSO_WM_UNIT_ID" val="_2**"/>
+  <p:tag name="KSO_WM_UNIT_LAYERLEVEL" val="1"/>
+  <p:tag name="KSO_WM_TAG_VERSION" val="1.0"/>
+  <p:tag name="KSO_WM_BEAUTIFY_FLAG" val="#wm#"/>
+</p:tagLst>
+</file>
+
+<file path=ppt/tags/tag15.xml><?xml version="1.0" encoding="utf-8"?>
+<p:tagLst xmlns:a="http://schemas.openxmlformats.org/drawingml/2006/main" xmlns:r="http://schemas.openxmlformats.org/officeDocument/2006/relationships" xmlns:p="http://schemas.openxmlformats.org/presentationml/2006/main">
+  <p:tag name="KSO_WM_UNIT_HIGHLIGHT" val="0"/>
+  <p:tag name="KSO_WM_UNIT_COMPATIBLE" val="0"/>
+  <p:tag name="KSO_WM_UNIT_DIAGRAM_ISNUMVISUAL" val="0"/>
+  <p:tag name="KSO_WM_UNIT_DIAGRAM_ISREFERUNIT" val="0"/>
+  <p:tag name="KSO_WM_UNIT_ID" val="_2**"/>
+  <p:tag name="KSO_WM_UNIT_LAYERLEVEL" val="1"/>
+  <p:tag name="KSO_WM_TAG_VERSION" val="1.0"/>
+  <p:tag name="KSO_WM_BEAUTIFY_FLAG" val="#wm#"/>
+</p:tagLst>
+</file>
+
+<file path=ppt/tags/tag16.xml><?xml version="1.0" encoding="utf-8"?>
+<p:tagLst xmlns:a="http://schemas.openxmlformats.org/drawingml/2006/main" xmlns:r="http://schemas.openxmlformats.org/officeDocument/2006/relationships" xmlns:p="http://schemas.openxmlformats.org/presentationml/2006/main">
+  <p:tag name="KSO_WM_UNIT_HIGHLIGHT" val="0"/>
+  <p:tag name="KSO_WM_UNIT_COMPATIBLE" val="0"/>
+  <p:tag name="KSO_WM_UNIT_DIAGRAM_ISNUMVISUAL" val="0"/>
+  <p:tag name="KSO_WM_UNIT_DIAGRAM_ISREFERUNIT" val="0"/>
+  <p:tag name="KSO_WM_UNIT_ID" val="_2**"/>
+  <p:tag name="KSO_WM_UNIT_LAYERLEVEL" val="1"/>
+  <p:tag name="KSO_WM_TAG_VERSION" val="1.0"/>
+  <p:tag name="KSO_WM_BEAUTIFY_FLAG" val="#wm#"/>
+</p:tagLst>
+</file>
+
+<file path=ppt/tags/tag17.xml><?xml version="1.0" encoding="utf-8"?>
+<p:tagLst xmlns:a="http://schemas.openxmlformats.org/drawingml/2006/main" xmlns:r="http://schemas.openxmlformats.org/officeDocument/2006/relationships" xmlns:p="http://schemas.openxmlformats.org/presentationml/2006/main">
+  <p:tag name="KSO_WM_UNIT_HIGHLIGHT" val="0"/>
+  <p:tag name="KSO_WM_UNIT_COMPATIBLE" val="0"/>
+  <p:tag name="KSO_WM_UNIT_DIAGRAM_ISNUMVISUAL" val="0"/>
+  <p:tag name="KSO_WM_UNIT_DIAGRAM_ISREFERUNIT" val="0"/>
+  <p:tag name="KSO_WM_UNIT_ID" val="_2**"/>
+  <p:tag name="KSO_WM_UNIT_LAYERLEVEL" val="1"/>
+  <p:tag name="KSO_WM_TAG_VERSION" val="1.0"/>
+  <p:tag name="KSO_WM_BEAUTIFY_FLAG" val="#wm#"/>
+</p:tagLst>
+</file>
+
+<file path=ppt/tags/tag18.xml><?xml version="1.0" encoding="utf-8"?>
+<p:tagLst xmlns:a="http://schemas.openxmlformats.org/drawingml/2006/main" xmlns:r="http://schemas.openxmlformats.org/officeDocument/2006/relationships" xmlns:p="http://schemas.openxmlformats.org/presentationml/2006/main">
   <p:tag name="KSO_WM_UNIT_HIGHLIGHT" val="0"/>
   <p:tag name="KSO_WM_UNIT_COMPATIBLE" val="0"/>
   <p:tag name="KSO_WM_UNIT_DIAGRAM_ISNUMVISUAL" val="0"/>
@@ -4253,8 +4269,8 @@
 </p:tagLst>
 </file>
 
-<file path=ppt/tags/tag12.xml><?xml version="1.0" encoding="utf-8"?>
-<p:tagLst xmlns:p="http://schemas.openxmlformats.org/presentationml/2006/main">
+<file path=ppt/tags/tag19.xml><?xml version="1.0" encoding="utf-8"?>
+<p:tagLst xmlns:a="http://schemas.openxmlformats.org/drawingml/2006/main" xmlns:r="http://schemas.openxmlformats.org/officeDocument/2006/relationships" xmlns:p="http://schemas.openxmlformats.org/presentationml/2006/main">
   <p:tag name="KSO_WM_UNIT_HIGHLIGHT" val="0"/>
   <p:tag name="KSO_WM_UNIT_COMPATIBLE" val="0"/>
   <p:tag name="KSO_WM_UNIT_DIAGRAM_ISNUMVISUAL" val="0"/>
@@ -4266,714 +4282,8 @@
 </p:tagLst>
 </file>
 
-<file path=ppt/tags/tag13.xml><?xml version="1.0" encoding="utf-8"?>
-<p:tagLst xmlns:p="http://schemas.openxmlformats.org/presentationml/2006/main">
-  <p:tag name="KSO_WM_UNIT_HIGHLIGHT" val="0"/>
-  <p:tag name="KSO_WM_UNIT_COMPATIBLE" val="0"/>
-  <p:tag name="KSO_WM_UNIT_DIAGRAM_ISNUMVISUAL" val="0"/>
-  <p:tag name="KSO_WM_UNIT_DIAGRAM_ISREFERUNIT" val="0"/>
-  <p:tag name="KSO_WM_UNIT_ID" val="_3**"/>
-  <p:tag name="KSO_WM_UNIT_LAYERLEVEL" val="1"/>
-  <p:tag name="KSO_WM_TAG_VERSION" val="1.0"/>
-  <p:tag name="KSO_WM_BEAUTIFY_FLAG" val="#wm#"/>
-</p:tagLst>
-</file>
-
-<file path=ppt/tags/tag14.xml><?xml version="1.0" encoding="utf-8"?>
-<p:tagLst xmlns:p="http://schemas.openxmlformats.org/presentationml/2006/main">
-  <p:tag name="KSO_WM_UNIT_HIGHLIGHT" val="0"/>
-  <p:tag name="KSO_WM_UNIT_COMPATIBLE" val="0"/>
-  <p:tag name="KSO_WM_UNIT_DIAGRAM_ISNUMVISUAL" val="0"/>
-  <p:tag name="KSO_WM_UNIT_DIAGRAM_ISREFERUNIT" val="0"/>
-  <p:tag name="KSO_WM_UNIT_ID" val="_3**"/>
-  <p:tag name="KSO_WM_UNIT_LAYERLEVEL" val="1"/>
-  <p:tag name="KSO_WM_TAG_VERSION" val="1.0"/>
-  <p:tag name="KSO_WM_BEAUTIFY_FLAG" val="#wm#"/>
-</p:tagLst>
-</file>
-
-<file path=ppt/tags/tag15.xml><?xml version="1.0" encoding="utf-8"?>
-<p:tagLst xmlns:p="http://schemas.openxmlformats.org/presentationml/2006/main">
-  <p:tag name="KSO_WM_UNIT_HIGHLIGHT" val="0"/>
-  <p:tag name="KSO_WM_UNIT_COMPATIBLE" val="0"/>
-  <p:tag name="KSO_WM_UNIT_DIAGRAM_ISNUMVISUAL" val="0"/>
-  <p:tag name="KSO_WM_UNIT_DIAGRAM_ISREFERUNIT" val="0"/>
-  <p:tag name="KSO_WM_UNIT_ID" val="_3**"/>
-  <p:tag name="KSO_WM_UNIT_LAYERLEVEL" val="1"/>
-  <p:tag name="KSO_WM_TAG_VERSION" val="1.0"/>
-  <p:tag name="KSO_WM_BEAUTIFY_FLAG" val="#wm#"/>
-</p:tagLst>
-</file>
-
-<file path=ppt/tags/tag16.xml><?xml version="1.0" encoding="utf-8"?>
-<p:tagLst xmlns:p="http://schemas.openxmlformats.org/presentationml/2006/main">
-  <p:tag name="KSO_WM_UNIT_HIGHLIGHT" val="0"/>
-  <p:tag name="KSO_WM_UNIT_COMPATIBLE" val="0"/>
-  <p:tag name="KSO_WM_UNIT_DIAGRAM_ISNUMVISUAL" val="0"/>
-  <p:tag name="KSO_WM_UNIT_DIAGRAM_ISREFERUNIT" val="0"/>
-  <p:tag name="KSO_WM_UNIT_ID" val="_4**"/>
-  <p:tag name="KSO_WM_UNIT_LAYERLEVEL" val="1"/>
-  <p:tag name="KSO_WM_TAG_VERSION" val="1.0"/>
-  <p:tag name="KSO_WM_BEAUTIFY_FLAG" val="#wm#"/>
-</p:tagLst>
-</file>
-
-<file path=ppt/tags/tag17.xml><?xml version="1.0" encoding="utf-8"?>
-<p:tagLst xmlns:p="http://schemas.openxmlformats.org/presentationml/2006/main">
-  <p:tag name="KSO_WM_UNIT_HIGHLIGHT" val="0"/>
-  <p:tag name="KSO_WM_UNIT_COMPATIBLE" val="0"/>
-  <p:tag name="KSO_WM_UNIT_DIAGRAM_ISNUMVISUAL" val="0"/>
-  <p:tag name="KSO_WM_UNIT_DIAGRAM_ISREFERUNIT" val="0"/>
-  <p:tag name="KSO_WM_UNIT_ID" val="_4**"/>
-  <p:tag name="KSO_WM_UNIT_LAYERLEVEL" val="1"/>
-  <p:tag name="KSO_WM_TAG_VERSION" val="1.0"/>
-  <p:tag name="KSO_WM_BEAUTIFY_FLAG" val="#wm#"/>
-</p:tagLst>
-</file>
-
-<file path=ppt/tags/tag18.xml><?xml version="1.0" encoding="utf-8"?>
-<p:tagLst xmlns:p="http://schemas.openxmlformats.org/presentationml/2006/main">
-  <p:tag name="KSO_WM_UNIT_HIGHLIGHT" val="0"/>
-  <p:tag name="KSO_WM_UNIT_COMPATIBLE" val="0"/>
-  <p:tag name="KSO_WM_UNIT_DIAGRAM_ISNUMVISUAL" val="0"/>
-  <p:tag name="KSO_WM_UNIT_DIAGRAM_ISREFERUNIT" val="0"/>
-  <p:tag name="KSO_WM_UNIT_ID" val="_4**"/>
-  <p:tag name="KSO_WM_UNIT_LAYERLEVEL" val="1"/>
-  <p:tag name="KSO_WM_TAG_VERSION" val="1.0"/>
-  <p:tag name="KSO_WM_BEAUTIFY_FLAG" val="#wm#"/>
-</p:tagLst>
-</file>
-
-<file path=ppt/tags/tag19.xml><?xml version="1.0" encoding="utf-8"?>
-<p:tagLst xmlns:p="http://schemas.openxmlformats.org/presentationml/2006/main">
-  <p:tag name="KSO_WM_UNIT_HIGHLIGHT" val="0"/>
-  <p:tag name="KSO_WM_UNIT_COMPATIBLE" val="0"/>
-  <p:tag name="KSO_WM_UNIT_DIAGRAM_ISNUMVISUAL" val="0"/>
-  <p:tag name="KSO_WM_UNIT_DIAGRAM_ISREFERUNIT" val="0"/>
-  <p:tag name="KSO_WM_UNIT_ID" val="_4**"/>
-  <p:tag name="KSO_WM_UNIT_LAYERLEVEL" val="1"/>
-  <p:tag name="KSO_WM_TAG_VERSION" val="1.0"/>
-  <p:tag name="KSO_WM_BEAUTIFY_FLAG" val="#wm#"/>
-</p:tagLst>
-</file>
-
 <file path=ppt/tags/tag2.xml><?xml version="1.0" encoding="utf-8"?>
-<p:tagLst xmlns:p="http://schemas.openxmlformats.org/presentationml/2006/main">
-  <p:tag name="KSO_WM_UNIT_HIGHLIGHT" val="0"/>
-  <p:tag name="KSO_WM_UNIT_COMPATIBLE" val="0"/>
-  <p:tag name="KSO_WM_UNIT_DIAGRAM_ISNUMVISUAL" val="0"/>
-  <p:tag name="KSO_WM_UNIT_DIAGRAM_ISREFERUNIT" val="0"/>
-  <p:tag name="KSO_WM_UNIT_ID" val="_1**"/>
-  <p:tag name="KSO_WM_UNIT_LAYERLEVEL" val="1"/>
-  <p:tag name="KSO_WM_TAG_VERSION" val="1.0"/>
-  <p:tag name="KSO_WM_BEAUTIFY_FLAG" val="#wm#"/>
-</p:tagLst>
-</file>
-
-<file path=ppt/tags/tag20.xml><?xml version="1.0" encoding="utf-8"?>
-<p:tagLst xmlns:p="http://schemas.openxmlformats.org/presentationml/2006/main">
-  <p:tag name="KSO_WM_UNIT_HIGHLIGHT" val="0"/>
-  <p:tag name="KSO_WM_UNIT_COMPATIBLE" val="0"/>
-  <p:tag name="KSO_WM_UNIT_DIAGRAM_ISNUMVISUAL" val="0"/>
-  <p:tag name="KSO_WM_UNIT_DIAGRAM_ISREFERUNIT" val="0"/>
-  <p:tag name="KSO_WM_UNIT_ID" val="_4**"/>
-  <p:tag name="KSO_WM_UNIT_LAYERLEVEL" val="1"/>
-  <p:tag name="KSO_WM_TAG_VERSION" val="1.0"/>
-  <p:tag name="KSO_WM_BEAUTIFY_FLAG" val="#wm#"/>
-</p:tagLst>
-</file>
-
-<file path=ppt/tags/tag21.xml><?xml version="1.0" encoding="utf-8"?>
-<p:tagLst xmlns:p="http://schemas.openxmlformats.org/presentationml/2006/main">
-  <p:tag name="KSO_WM_UNIT_HIGHLIGHT" val="0"/>
-  <p:tag name="KSO_WM_UNIT_COMPATIBLE" val="0"/>
-  <p:tag name="KSO_WM_UNIT_DIAGRAM_ISNUMVISUAL" val="0"/>
-  <p:tag name="KSO_WM_UNIT_DIAGRAM_ISREFERUNIT" val="0"/>
-  <p:tag name="KSO_WM_UNIT_ID" val="_4**"/>
-  <p:tag name="KSO_WM_UNIT_LAYERLEVEL" val="1"/>
-  <p:tag name="KSO_WM_TAG_VERSION" val="1.0"/>
-  <p:tag name="KSO_WM_BEAUTIFY_FLAG" val="#wm#"/>
-</p:tagLst>
-</file>
-
-<file path=ppt/tags/tag22.xml><?xml version="1.0" encoding="utf-8"?>
-<p:tagLst xmlns:p="http://schemas.openxmlformats.org/presentationml/2006/main">
-  <p:tag name="KSO_WM_UNIT_HIGHLIGHT" val="0"/>
-  <p:tag name="KSO_WM_UNIT_COMPATIBLE" val="0"/>
-  <p:tag name="KSO_WM_UNIT_DIAGRAM_ISNUMVISUAL" val="0"/>
-  <p:tag name="KSO_WM_UNIT_DIAGRAM_ISREFERUNIT" val="0"/>
-  <p:tag name="KSO_WM_UNIT_ID" val="_5**"/>
-  <p:tag name="KSO_WM_UNIT_LAYERLEVEL" val="1"/>
-  <p:tag name="KSO_WM_TAG_VERSION" val="1.0"/>
-  <p:tag name="KSO_WM_BEAUTIFY_FLAG" val="#wm#"/>
-</p:tagLst>
-</file>
-
-<file path=ppt/tags/tag23.xml><?xml version="1.0" encoding="utf-8"?>
-<p:tagLst xmlns:p="http://schemas.openxmlformats.org/presentationml/2006/main">
-  <p:tag name="KSO_WM_UNIT_HIGHLIGHT" val="0"/>
-  <p:tag name="KSO_WM_UNIT_COMPATIBLE" val="0"/>
-  <p:tag name="KSO_WM_UNIT_DIAGRAM_ISNUMVISUAL" val="0"/>
-  <p:tag name="KSO_WM_UNIT_DIAGRAM_ISREFERUNIT" val="0"/>
-  <p:tag name="KSO_WM_UNIT_ID" val="_5**"/>
-  <p:tag name="KSO_WM_UNIT_LAYERLEVEL" val="1"/>
-  <p:tag name="KSO_WM_TAG_VERSION" val="1.0"/>
-  <p:tag name="KSO_WM_BEAUTIFY_FLAG" val="#wm#"/>
-</p:tagLst>
-</file>
-
-<file path=ppt/tags/tag24.xml><?xml version="1.0" encoding="utf-8"?>
-<p:tagLst xmlns:p="http://schemas.openxmlformats.org/presentationml/2006/main">
-  <p:tag name="KSO_WM_UNIT_HIGHLIGHT" val="0"/>
-  <p:tag name="KSO_WM_UNIT_COMPATIBLE" val="0"/>
-  <p:tag name="KSO_WM_UNIT_DIAGRAM_ISNUMVISUAL" val="0"/>
-  <p:tag name="KSO_WM_UNIT_DIAGRAM_ISREFERUNIT" val="0"/>
-  <p:tag name="KSO_WM_UNIT_ID" val="_5**"/>
-  <p:tag name="KSO_WM_UNIT_LAYERLEVEL" val="1"/>
-  <p:tag name="KSO_WM_TAG_VERSION" val="1.0"/>
-  <p:tag name="KSO_WM_BEAUTIFY_FLAG" val="#wm#"/>
-</p:tagLst>
-</file>
-
-<file path=ppt/tags/tag25.xml><?xml version="1.0" encoding="utf-8"?>
-<p:tagLst xmlns:p="http://schemas.openxmlformats.org/presentationml/2006/main">
-  <p:tag name="KSO_WM_UNIT_HIGHLIGHT" val="0"/>
-  <p:tag name="KSO_WM_UNIT_COMPATIBLE" val="0"/>
-  <p:tag name="KSO_WM_UNIT_DIAGRAM_ISNUMVISUAL" val="0"/>
-  <p:tag name="KSO_WM_UNIT_DIAGRAM_ISREFERUNIT" val="0"/>
-  <p:tag name="KSO_WM_UNIT_ID" val="_5**"/>
-  <p:tag name="KSO_WM_UNIT_LAYERLEVEL" val="1"/>
-  <p:tag name="KSO_WM_TAG_VERSION" val="1.0"/>
-  <p:tag name="KSO_WM_BEAUTIFY_FLAG" val="#wm#"/>
-</p:tagLst>
-</file>
-
-<file path=ppt/tags/tag26.xml><?xml version="1.0" encoding="utf-8"?>
-<p:tagLst xmlns:p="http://schemas.openxmlformats.org/presentationml/2006/main">
-  <p:tag name="KSO_WM_UNIT_HIGHLIGHT" val="0"/>
-  <p:tag name="KSO_WM_UNIT_COMPATIBLE" val="0"/>
-  <p:tag name="KSO_WM_UNIT_DIAGRAM_ISNUMVISUAL" val="0"/>
-  <p:tag name="KSO_WM_UNIT_DIAGRAM_ISREFERUNIT" val="0"/>
-  <p:tag name="KSO_WM_UNIT_ID" val="_5**"/>
-  <p:tag name="KSO_WM_UNIT_LAYERLEVEL" val="1"/>
-  <p:tag name="KSO_WM_TAG_VERSION" val="1.0"/>
-  <p:tag name="KSO_WM_BEAUTIFY_FLAG" val="#wm#"/>
-</p:tagLst>
-</file>
-
-<file path=ppt/tags/tag27.xml><?xml version="1.0" encoding="utf-8"?>
-<p:tagLst xmlns:p="http://schemas.openxmlformats.org/presentationml/2006/main">
-  <p:tag name="KSO_WM_UNIT_HIGHLIGHT" val="0"/>
-  <p:tag name="KSO_WM_UNIT_COMPATIBLE" val="0"/>
-  <p:tag name="KSO_WM_UNIT_DIAGRAM_ISNUMVISUAL" val="0"/>
-  <p:tag name="KSO_WM_UNIT_DIAGRAM_ISREFERUNIT" val="0"/>
-  <p:tag name="KSO_WM_UNIT_ID" val="_5**"/>
-  <p:tag name="KSO_WM_UNIT_LAYERLEVEL" val="1"/>
-  <p:tag name="KSO_WM_TAG_VERSION" val="1.0"/>
-  <p:tag name="KSO_WM_BEAUTIFY_FLAG" val="#wm#"/>
-</p:tagLst>
-</file>
-
-<file path=ppt/tags/tag28.xml><?xml version="1.0" encoding="utf-8"?>
-<p:tagLst xmlns:p="http://schemas.openxmlformats.org/presentationml/2006/main">
-  <p:tag name="KSO_WM_UNIT_HIGHLIGHT" val="0"/>
-  <p:tag name="KSO_WM_UNIT_COMPATIBLE" val="0"/>
-  <p:tag name="KSO_WM_UNIT_DIAGRAM_ISNUMVISUAL" val="0"/>
-  <p:tag name="KSO_WM_UNIT_DIAGRAM_ISREFERUNIT" val="0"/>
-  <p:tag name="KSO_WM_UNIT_ID" val="_5**"/>
-  <p:tag name="KSO_WM_UNIT_LAYERLEVEL" val="1"/>
-  <p:tag name="KSO_WM_TAG_VERSION" val="1.0"/>
-  <p:tag name="KSO_WM_BEAUTIFY_FLAG" val="#wm#"/>
-</p:tagLst>
-</file>
-
-<file path=ppt/tags/tag29.xml><?xml version="1.0" encoding="utf-8"?>
-<p:tagLst xmlns:p="http://schemas.openxmlformats.org/presentationml/2006/main">
-  <p:tag name="KSO_WM_UNIT_HIGHLIGHT" val="0"/>
-  <p:tag name="KSO_WM_UNIT_COMPATIBLE" val="0"/>
-  <p:tag name="KSO_WM_UNIT_DIAGRAM_ISNUMVISUAL" val="0"/>
-  <p:tag name="KSO_WM_UNIT_DIAGRAM_ISREFERUNIT" val="0"/>
-  <p:tag name="KSO_WM_UNIT_ID" val="_5**"/>
-  <p:tag name="KSO_WM_UNIT_LAYERLEVEL" val="1"/>
-  <p:tag name="KSO_WM_TAG_VERSION" val="1.0"/>
-  <p:tag name="KSO_WM_BEAUTIFY_FLAG" val="#wm#"/>
-</p:tagLst>
-</file>
-
-<file path=ppt/tags/tag3.xml><?xml version="1.0" encoding="utf-8"?>
-<p:tagLst xmlns:p="http://schemas.openxmlformats.org/presentationml/2006/main">
-  <p:tag name="KSO_WM_UNIT_HIGHLIGHT" val="0"/>
-  <p:tag name="KSO_WM_UNIT_COMPATIBLE" val="0"/>
-  <p:tag name="KSO_WM_UNIT_DIAGRAM_ISNUMVISUAL" val="0"/>
-  <p:tag name="KSO_WM_UNIT_DIAGRAM_ISREFERUNIT" val="0"/>
-  <p:tag name="KSO_WM_UNIT_ID" val="_1**"/>
-  <p:tag name="KSO_WM_UNIT_LAYERLEVEL" val="1"/>
-  <p:tag name="KSO_WM_TAG_VERSION" val="1.0"/>
-  <p:tag name="KSO_WM_BEAUTIFY_FLAG" val="#wm#"/>
-</p:tagLst>
-</file>
-
-<file path=ppt/tags/tag30.xml><?xml version="1.0" encoding="utf-8"?>
-<p:tagLst xmlns:p="http://schemas.openxmlformats.org/presentationml/2006/main">
-  <p:tag name="KSO_WM_UNIT_HIGHLIGHT" val="0"/>
-  <p:tag name="KSO_WM_UNIT_COMPATIBLE" val="0"/>
-  <p:tag name="KSO_WM_UNIT_DIAGRAM_ISNUMVISUAL" val="0"/>
-  <p:tag name="KSO_WM_UNIT_DIAGRAM_ISREFERUNIT" val="0"/>
-  <p:tag name="KSO_WM_UNIT_ID" val="_6**"/>
-  <p:tag name="KSO_WM_UNIT_LAYERLEVEL" val="1"/>
-  <p:tag name="KSO_WM_TAG_VERSION" val="1.0"/>
-  <p:tag name="KSO_WM_BEAUTIFY_FLAG" val="#wm#"/>
-</p:tagLst>
-</file>
-
-<file path=ppt/tags/tag31.xml><?xml version="1.0" encoding="utf-8"?>
-<p:tagLst xmlns:p="http://schemas.openxmlformats.org/presentationml/2006/main">
-  <p:tag name="KSO_WM_UNIT_HIGHLIGHT" val="0"/>
-  <p:tag name="KSO_WM_UNIT_COMPATIBLE" val="0"/>
-  <p:tag name="KSO_WM_UNIT_DIAGRAM_ISNUMVISUAL" val="0"/>
-  <p:tag name="KSO_WM_UNIT_DIAGRAM_ISREFERUNIT" val="0"/>
-  <p:tag name="KSO_WM_UNIT_ID" val="_6**"/>
-  <p:tag name="KSO_WM_UNIT_LAYERLEVEL" val="1"/>
-  <p:tag name="KSO_WM_TAG_VERSION" val="1.0"/>
-  <p:tag name="KSO_WM_BEAUTIFY_FLAG" val="#wm#"/>
-</p:tagLst>
-</file>
-
-<file path=ppt/tags/tag32.xml><?xml version="1.0" encoding="utf-8"?>
-<p:tagLst xmlns:p="http://schemas.openxmlformats.org/presentationml/2006/main">
-  <p:tag name="KSO_WM_UNIT_HIGHLIGHT" val="0"/>
-  <p:tag name="KSO_WM_UNIT_COMPATIBLE" val="0"/>
-  <p:tag name="KSO_WM_UNIT_DIAGRAM_ISNUMVISUAL" val="0"/>
-  <p:tag name="KSO_WM_UNIT_DIAGRAM_ISREFERUNIT" val="0"/>
-  <p:tag name="KSO_WM_UNIT_ID" val="_6**"/>
-  <p:tag name="KSO_WM_UNIT_LAYERLEVEL" val="1"/>
-  <p:tag name="KSO_WM_TAG_VERSION" val="1.0"/>
-  <p:tag name="KSO_WM_BEAUTIFY_FLAG" val="#wm#"/>
-</p:tagLst>
-</file>
-
-<file path=ppt/tags/tag33.xml><?xml version="1.0" encoding="utf-8"?>
-<p:tagLst xmlns:p="http://schemas.openxmlformats.org/presentationml/2006/main">
-  <p:tag name="KSO_WM_UNIT_HIGHLIGHT" val="0"/>
-  <p:tag name="KSO_WM_UNIT_COMPATIBLE" val="0"/>
-  <p:tag name="KSO_WM_UNIT_DIAGRAM_ISNUMVISUAL" val="0"/>
-  <p:tag name="KSO_WM_UNIT_DIAGRAM_ISREFERUNIT" val="0"/>
-  <p:tag name="KSO_WM_UNIT_ID" val="_6**"/>
-  <p:tag name="KSO_WM_UNIT_LAYERLEVEL" val="1"/>
-  <p:tag name="KSO_WM_TAG_VERSION" val="1.0"/>
-  <p:tag name="KSO_WM_BEAUTIFY_FLAG" val="#wm#"/>
-</p:tagLst>
-</file>
-
-<file path=ppt/tags/tag34.xml><?xml version="1.0" encoding="utf-8"?>
-<p:tagLst xmlns:p="http://schemas.openxmlformats.org/presentationml/2006/main">
-  <p:tag name="KSO_WM_UNIT_HIGHLIGHT" val="0"/>
-  <p:tag name="KSO_WM_UNIT_COMPATIBLE" val="0"/>
-  <p:tag name="KSO_WM_UNIT_DIAGRAM_ISNUMVISUAL" val="0"/>
-  <p:tag name="KSO_WM_UNIT_DIAGRAM_ISREFERUNIT" val="0"/>
-  <p:tag name="KSO_WM_UNIT_ID" val="_7**"/>
-  <p:tag name="KSO_WM_UNIT_LAYERLEVEL" val="1"/>
-  <p:tag name="KSO_WM_TAG_VERSION" val="1.0"/>
-  <p:tag name="KSO_WM_BEAUTIFY_FLAG" val="#wm#"/>
-</p:tagLst>
-</file>
-
-<file path=ppt/tags/tag35.xml><?xml version="1.0" encoding="utf-8"?>
-<p:tagLst xmlns:p="http://schemas.openxmlformats.org/presentationml/2006/main">
-  <p:tag name="KSO_WM_UNIT_HIGHLIGHT" val="0"/>
-  <p:tag name="KSO_WM_UNIT_COMPATIBLE" val="0"/>
-  <p:tag name="KSO_WM_UNIT_DIAGRAM_ISNUMVISUAL" val="0"/>
-  <p:tag name="KSO_WM_UNIT_DIAGRAM_ISREFERUNIT" val="0"/>
-  <p:tag name="KSO_WM_UNIT_ID" val="_7**"/>
-  <p:tag name="KSO_WM_UNIT_LAYERLEVEL" val="1"/>
-  <p:tag name="KSO_WM_TAG_VERSION" val="1.0"/>
-  <p:tag name="KSO_WM_BEAUTIFY_FLAG" val="#wm#"/>
-</p:tagLst>
-</file>
-
-<file path=ppt/tags/tag36.xml><?xml version="1.0" encoding="utf-8"?>
-<p:tagLst xmlns:p="http://schemas.openxmlformats.org/presentationml/2006/main">
-  <p:tag name="KSO_WM_UNIT_HIGHLIGHT" val="0"/>
-  <p:tag name="KSO_WM_UNIT_COMPATIBLE" val="0"/>
-  <p:tag name="KSO_WM_UNIT_DIAGRAM_ISNUMVISUAL" val="0"/>
-  <p:tag name="KSO_WM_UNIT_DIAGRAM_ISREFERUNIT" val="0"/>
-  <p:tag name="KSO_WM_UNIT_ID" val="_7**"/>
-  <p:tag name="KSO_WM_UNIT_LAYERLEVEL" val="1"/>
-  <p:tag name="KSO_WM_TAG_VERSION" val="1.0"/>
-  <p:tag name="KSO_WM_BEAUTIFY_FLAG" val="#wm#"/>
-</p:tagLst>
-</file>
-
-<file path=ppt/tags/tag37.xml><?xml version="1.0" encoding="utf-8"?>
-<p:tagLst xmlns:p="http://schemas.openxmlformats.org/presentationml/2006/main">
-  <p:tag name="KSO_WM_UNIT_HIGHLIGHT" val="0"/>
-  <p:tag name="KSO_WM_UNIT_COMPATIBLE" val="0"/>
-  <p:tag name="KSO_WM_UNIT_DIAGRAM_ISNUMVISUAL" val="0"/>
-  <p:tag name="KSO_WM_UNIT_DIAGRAM_ISREFERUNIT" val="0"/>
-  <p:tag name="KSO_WM_UNIT_ID" val="_8**"/>
-  <p:tag name="KSO_WM_UNIT_LAYERLEVEL" val="1"/>
-  <p:tag name="KSO_WM_TAG_VERSION" val="1.0"/>
-  <p:tag name="KSO_WM_BEAUTIFY_FLAG" val="#wm#"/>
-</p:tagLst>
-</file>
-
-<file path=ppt/tags/tag38.xml><?xml version="1.0" encoding="utf-8"?>
-<p:tagLst xmlns:p="http://schemas.openxmlformats.org/presentationml/2006/main">
-  <p:tag name="KSO_WM_UNIT_HIGHLIGHT" val="0"/>
-  <p:tag name="KSO_WM_UNIT_COMPATIBLE" val="0"/>
-  <p:tag name="KSO_WM_UNIT_DIAGRAM_ISNUMVISUAL" val="0"/>
-  <p:tag name="KSO_WM_UNIT_DIAGRAM_ISREFERUNIT" val="0"/>
-  <p:tag name="KSO_WM_UNIT_ID" val="_8**"/>
-  <p:tag name="KSO_WM_UNIT_LAYERLEVEL" val="1"/>
-  <p:tag name="KSO_WM_TAG_VERSION" val="1.0"/>
-  <p:tag name="KSO_WM_BEAUTIFY_FLAG" val="#wm#"/>
-</p:tagLst>
-</file>
-
-<file path=ppt/tags/tag39.xml><?xml version="1.0" encoding="utf-8"?>
-<p:tagLst xmlns:p="http://schemas.openxmlformats.org/presentationml/2006/main">
-  <p:tag name="KSO_WM_UNIT_HIGHLIGHT" val="0"/>
-  <p:tag name="KSO_WM_UNIT_COMPATIBLE" val="0"/>
-  <p:tag name="KSO_WM_UNIT_DIAGRAM_ISNUMVISUAL" val="0"/>
-  <p:tag name="KSO_WM_UNIT_DIAGRAM_ISREFERUNIT" val="0"/>
-  <p:tag name="KSO_WM_UNIT_ID" val="_8**"/>
-  <p:tag name="KSO_WM_UNIT_LAYERLEVEL" val="1"/>
-  <p:tag name="KSO_WM_TAG_VERSION" val="1.0"/>
-  <p:tag name="KSO_WM_BEAUTIFY_FLAG" val="#wm#"/>
-</p:tagLst>
-</file>
-
-<file path=ppt/tags/tag4.xml><?xml version="1.0" encoding="utf-8"?>
-<p:tagLst xmlns:p="http://schemas.openxmlformats.org/presentationml/2006/main">
-  <p:tag name="KSO_WM_UNIT_HIGHLIGHT" val="0"/>
-  <p:tag name="KSO_WM_UNIT_COMPATIBLE" val="0"/>
-  <p:tag name="KSO_WM_UNIT_DIAGRAM_ISNUMVISUAL" val="0"/>
-  <p:tag name="KSO_WM_UNIT_DIAGRAM_ISREFERUNIT" val="0"/>
-  <p:tag name="KSO_WM_UNIT_ID" val="_1**"/>
-  <p:tag name="KSO_WM_UNIT_LAYERLEVEL" val="1"/>
-  <p:tag name="KSO_WM_TAG_VERSION" val="1.0"/>
-  <p:tag name="KSO_WM_BEAUTIFY_FLAG" val="#wm#"/>
-</p:tagLst>
-</file>
-
-<file path=ppt/tags/tag40.xml><?xml version="1.0" encoding="utf-8"?>
-<p:tagLst xmlns:p="http://schemas.openxmlformats.org/presentationml/2006/main">
-  <p:tag name="KSO_WM_UNIT_HIGHLIGHT" val="0"/>
-  <p:tag name="KSO_WM_UNIT_COMPATIBLE" val="0"/>
-  <p:tag name="KSO_WM_UNIT_DIAGRAM_ISNUMVISUAL" val="0"/>
-  <p:tag name="KSO_WM_UNIT_DIAGRAM_ISREFERUNIT" val="0"/>
-  <p:tag name="KSO_WM_UNIT_ID" val="_8**"/>
-  <p:tag name="KSO_WM_UNIT_LAYERLEVEL" val="1"/>
-  <p:tag name="KSO_WM_TAG_VERSION" val="1.0"/>
-  <p:tag name="KSO_WM_BEAUTIFY_FLAG" val="#wm#"/>
-</p:tagLst>
-</file>
-
-<file path=ppt/tags/tag41.xml><?xml version="1.0" encoding="utf-8"?>
-<p:tagLst xmlns:p="http://schemas.openxmlformats.org/presentationml/2006/main">
-  <p:tag name="KSO_WM_UNIT_HIGHLIGHT" val="0"/>
-  <p:tag name="KSO_WM_UNIT_COMPATIBLE" val="0"/>
-  <p:tag name="KSO_WM_UNIT_DIAGRAM_ISNUMVISUAL" val="0"/>
-  <p:tag name="KSO_WM_UNIT_DIAGRAM_ISREFERUNIT" val="0"/>
-  <p:tag name="KSO_WM_UNIT_ID" val="_8**"/>
-  <p:tag name="KSO_WM_UNIT_LAYERLEVEL" val="1"/>
-  <p:tag name="KSO_WM_TAG_VERSION" val="1.0"/>
-  <p:tag name="KSO_WM_BEAUTIFY_FLAG" val="#wm#"/>
-</p:tagLst>
-</file>
-
-<file path=ppt/tags/tag42.xml><?xml version="1.0" encoding="utf-8"?>
-<p:tagLst xmlns:p="http://schemas.openxmlformats.org/presentationml/2006/main">
-  <p:tag name="KSO_WM_UNIT_HIGHLIGHT" val="0"/>
-  <p:tag name="KSO_WM_UNIT_COMPATIBLE" val="0"/>
-  <p:tag name="KSO_WM_UNIT_DIAGRAM_ISNUMVISUAL" val="0"/>
-  <p:tag name="KSO_WM_UNIT_DIAGRAM_ISREFERUNIT" val="0"/>
-  <p:tag name="KSO_WM_UNIT_ID" val="_8**"/>
-  <p:tag name="KSO_WM_UNIT_LAYERLEVEL" val="1"/>
-  <p:tag name="KSO_WM_TAG_VERSION" val="1.0"/>
-  <p:tag name="KSO_WM_BEAUTIFY_FLAG" val="#wm#"/>
-</p:tagLst>
-</file>
-
-<file path=ppt/tags/tag43.xml><?xml version="1.0" encoding="utf-8"?>
-<p:tagLst xmlns:p="http://schemas.openxmlformats.org/presentationml/2006/main">
-  <p:tag name="KSO_WM_UNIT_HIGHLIGHT" val="0"/>
-  <p:tag name="KSO_WM_UNIT_COMPATIBLE" val="0"/>
-  <p:tag name="KSO_WM_UNIT_DIAGRAM_ISNUMVISUAL" val="0"/>
-  <p:tag name="KSO_WM_UNIT_DIAGRAM_ISREFERUNIT" val="0"/>
-  <p:tag name="KSO_WM_UNIT_ID" val="_9**"/>
-  <p:tag name="KSO_WM_UNIT_LAYERLEVEL" val="1"/>
-  <p:tag name="KSO_WM_TAG_VERSION" val="1.0"/>
-  <p:tag name="KSO_WM_BEAUTIFY_FLAG" val="#wm#"/>
-</p:tagLst>
-</file>
-
-<file path=ppt/tags/tag44.xml><?xml version="1.0" encoding="utf-8"?>
-<p:tagLst xmlns:p="http://schemas.openxmlformats.org/presentationml/2006/main">
-  <p:tag name="KSO_WM_UNIT_HIGHLIGHT" val="0"/>
-  <p:tag name="KSO_WM_UNIT_COMPATIBLE" val="0"/>
-  <p:tag name="KSO_WM_UNIT_DIAGRAM_ISNUMVISUAL" val="0"/>
-  <p:tag name="KSO_WM_UNIT_DIAGRAM_ISREFERUNIT" val="0"/>
-  <p:tag name="KSO_WM_UNIT_ID" val="_9**"/>
-  <p:tag name="KSO_WM_UNIT_LAYERLEVEL" val="1"/>
-  <p:tag name="KSO_WM_TAG_VERSION" val="1.0"/>
-  <p:tag name="KSO_WM_BEAUTIFY_FLAG" val="#wm#"/>
-</p:tagLst>
-</file>
-
-<file path=ppt/tags/tag45.xml><?xml version="1.0" encoding="utf-8"?>
-<p:tagLst xmlns:p="http://schemas.openxmlformats.org/presentationml/2006/main">
-  <p:tag name="KSO_WM_UNIT_HIGHLIGHT" val="0"/>
-  <p:tag name="KSO_WM_UNIT_COMPATIBLE" val="0"/>
-  <p:tag name="KSO_WM_UNIT_DIAGRAM_ISNUMVISUAL" val="0"/>
-  <p:tag name="KSO_WM_UNIT_DIAGRAM_ISREFERUNIT" val="0"/>
-  <p:tag name="KSO_WM_UNIT_ID" val="_9**"/>
-  <p:tag name="KSO_WM_UNIT_LAYERLEVEL" val="1"/>
-  <p:tag name="KSO_WM_TAG_VERSION" val="1.0"/>
-  <p:tag name="KSO_WM_BEAUTIFY_FLAG" val="#wm#"/>
-</p:tagLst>
-</file>
-
-<file path=ppt/tags/tag46.xml><?xml version="1.0" encoding="utf-8"?>
-<p:tagLst xmlns:p="http://schemas.openxmlformats.org/presentationml/2006/main">
-  <p:tag name="KSO_WM_UNIT_HIGHLIGHT" val="0"/>
-  <p:tag name="KSO_WM_UNIT_COMPATIBLE" val="0"/>
-  <p:tag name="KSO_WM_UNIT_DIAGRAM_ISNUMVISUAL" val="0"/>
-  <p:tag name="KSO_WM_UNIT_DIAGRAM_ISREFERUNIT" val="0"/>
-  <p:tag name="KSO_WM_UNIT_ID" val="_9**"/>
-  <p:tag name="KSO_WM_UNIT_LAYERLEVEL" val="1"/>
-  <p:tag name="KSO_WM_TAG_VERSION" val="1.0"/>
-  <p:tag name="KSO_WM_BEAUTIFY_FLAG" val="#wm#"/>
-</p:tagLst>
-</file>
-
-<file path=ppt/tags/tag47.xml><?xml version="1.0" encoding="utf-8"?>
-<p:tagLst xmlns:p="http://schemas.openxmlformats.org/presentationml/2006/main">
-  <p:tag name="KSO_WM_UNIT_HIGHLIGHT" val="0"/>
-  <p:tag name="KSO_WM_UNIT_COMPATIBLE" val="0"/>
-  <p:tag name="KSO_WM_UNIT_DIAGRAM_ISNUMVISUAL" val="0"/>
-  <p:tag name="KSO_WM_UNIT_DIAGRAM_ISREFERUNIT" val="0"/>
-  <p:tag name="KSO_WM_UNIT_ID" val="_9**"/>
-  <p:tag name="KSO_WM_UNIT_LAYERLEVEL" val="1"/>
-  <p:tag name="KSO_WM_TAG_VERSION" val="1.0"/>
-  <p:tag name="KSO_WM_BEAUTIFY_FLAG" val="#wm#"/>
-</p:tagLst>
-</file>
-
-<file path=ppt/tags/tag48.xml><?xml version="1.0" encoding="utf-8"?>
-<p:tagLst xmlns:p="http://schemas.openxmlformats.org/presentationml/2006/main">
-  <p:tag name="KSO_WM_UNIT_HIGHLIGHT" val="0"/>
-  <p:tag name="KSO_WM_UNIT_COMPATIBLE" val="0"/>
-  <p:tag name="KSO_WM_UNIT_DIAGRAM_ISNUMVISUAL" val="0"/>
-  <p:tag name="KSO_WM_UNIT_DIAGRAM_ISREFERUNIT" val="0"/>
-  <p:tag name="KSO_WM_UNIT_ID" val="_10**"/>
-  <p:tag name="KSO_WM_UNIT_LAYERLEVEL" val="1"/>
-  <p:tag name="KSO_WM_TAG_VERSION" val="1.0"/>
-  <p:tag name="KSO_WM_BEAUTIFY_FLAG" val="#wm#"/>
-</p:tagLst>
-</file>
-
-<file path=ppt/tags/tag49.xml><?xml version="1.0" encoding="utf-8"?>
-<p:tagLst xmlns:p="http://schemas.openxmlformats.org/presentationml/2006/main">
-  <p:tag name="KSO_WM_UNIT_HIGHLIGHT" val="0"/>
-  <p:tag name="KSO_WM_UNIT_COMPATIBLE" val="0"/>
-  <p:tag name="KSO_WM_UNIT_DIAGRAM_ISNUMVISUAL" val="0"/>
-  <p:tag name="KSO_WM_UNIT_DIAGRAM_ISREFERUNIT" val="0"/>
-  <p:tag name="KSO_WM_UNIT_ID" val="_10**"/>
-  <p:tag name="KSO_WM_UNIT_LAYERLEVEL" val="1"/>
-  <p:tag name="KSO_WM_TAG_VERSION" val="1.0"/>
-  <p:tag name="KSO_WM_BEAUTIFY_FLAG" val="#wm#"/>
-</p:tagLst>
-</file>
-
-<file path=ppt/tags/tag5.xml><?xml version="1.0" encoding="utf-8"?>
-<p:tagLst xmlns:p="http://schemas.openxmlformats.org/presentationml/2006/main">
-  <p:tag name="KSO_WM_UNIT_HIGHLIGHT" val="0"/>
-  <p:tag name="KSO_WM_UNIT_COMPATIBLE" val="0"/>
-  <p:tag name="KSO_WM_UNIT_DIAGRAM_ISNUMVISUAL" val="0"/>
-  <p:tag name="KSO_WM_UNIT_DIAGRAM_ISREFERUNIT" val="0"/>
-  <p:tag name="KSO_WM_UNIT_ID" val="_1**"/>
-  <p:tag name="KSO_WM_UNIT_LAYERLEVEL" val="1"/>
-  <p:tag name="KSO_WM_TAG_VERSION" val="1.0"/>
-  <p:tag name="KSO_WM_BEAUTIFY_FLAG" val="#wm#"/>
-</p:tagLst>
-</file>
-
-<file path=ppt/tags/tag50.xml><?xml version="1.0" encoding="utf-8"?>
-<p:tagLst xmlns:p="http://schemas.openxmlformats.org/presentationml/2006/main">
-  <p:tag name="KSO_WM_UNIT_HIGHLIGHT" val="0"/>
-  <p:tag name="KSO_WM_UNIT_COMPATIBLE" val="0"/>
-  <p:tag name="KSO_WM_UNIT_DIAGRAM_ISNUMVISUAL" val="0"/>
-  <p:tag name="KSO_WM_UNIT_DIAGRAM_ISREFERUNIT" val="0"/>
-  <p:tag name="KSO_WM_UNIT_ID" val="_10**"/>
-  <p:tag name="KSO_WM_UNIT_LAYERLEVEL" val="1"/>
-  <p:tag name="KSO_WM_TAG_VERSION" val="1.0"/>
-  <p:tag name="KSO_WM_BEAUTIFY_FLAG" val="#wm#"/>
-</p:tagLst>
-</file>
-
-<file path=ppt/tags/tag51.xml><?xml version="1.0" encoding="utf-8"?>
-<p:tagLst xmlns:p="http://schemas.openxmlformats.org/presentationml/2006/main">
-  <p:tag name="KSO_WM_UNIT_HIGHLIGHT" val="0"/>
-  <p:tag name="KSO_WM_UNIT_COMPATIBLE" val="0"/>
-  <p:tag name="KSO_WM_UNIT_DIAGRAM_ISNUMVISUAL" val="0"/>
-  <p:tag name="KSO_WM_UNIT_DIAGRAM_ISREFERUNIT" val="0"/>
-  <p:tag name="KSO_WM_UNIT_ID" val="_10**"/>
-  <p:tag name="KSO_WM_UNIT_LAYERLEVEL" val="1"/>
-  <p:tag name="KSO_WM_TAG_VERSION" val="1.0"/>
-  <p:tag name="KSO_WM_BEAUTIFY_FLAG" val="#wm#"/>
-</p:tagLst>
-</file>
-
-<file path=ppt/tags/tag52.xml><?xml version="1.0" encoding="utf-8"?>
-<p:tagLst xmlns:p="http://schemas.openxmlformats.org/presentationml/2006/main">
-  <p:tag name="KSO_WM_UNIT_HIGHLIGHT" val="0"/>
-  <p:tag name="KSO_WM_UNIT_COMPATIBLE" val="0"/>
-  <p:tag name="KSO_WM_UNIT_DIAGRAM_ISNUMVISUAL" val="0"/>
-  <p:tag name="KSO_WM_UNIT_DIAGRAM_ISREFERUNIT" val="0"/>
-  <p:tag name="KSO_WM_UNIT_ID" val="_11**"/>
-  <p:tag name="KSO_WM_UNIT_LAYERLEVEL" val="1"/>
-  <p:tag name="KSO_WM_TAG_VERSION" val="1.0"/>
-  <p:tag name="KSO_WM_BEAUTIFY_FLAG" val="#wm#"/>
-</p:tagLst>
-</file>
-
-<file path=ppt/tags/tag53.xml><?xml version="1.0" encoding="utf-8"?>
-<p:tagLst xmlns:p="http://schemas.openxmlformats.org/presentationml/2006/main">
-  <p:tag name="KSO_WM_UNIT_HIGHLIGHT" val="0"/>
-  <p:tag name="KSO_WM_UNIT_COMPATIBLE" val="0"/>
-  <p:tag name="KSO_WM_UNIT_DIAGRAM_ISNUMVISUAL" val="0"/>
-  <p:tag name="KSO_WM_UNIT_DIAGRAM_ISREFERUNIT" val="0"/>
-  <p:tag name="KSO_WM_UNIT_ID" val="_11**"/>
-  <p:tag name="KSO_WM_UNIT_LAYERLEVEL" val="1"/>
-  <p:tag name="KSO_WM_TAG_VERSION" val="1.0"/>
-  <p:tag name="KSO_WM_BEAUTIFY_FLAG" val="#wm#"/>
-</p:tagLst>
-</file>
-
-<file path=ppt/tags/tag54.xml><?xml version="1.0" encoding="utf-8"?>
-<p:tagLst xmlns:p="http://schemas.openxmlformats.org/presentationml/2006/main">
-  <p:tag name="KSO_WM_UNIT_HIGHLIGHT" val="0"/>
-  <p:tag name="KSO_WM_UNIT_COMPATIBLE" val="0"/>
-  <p:tag name="KSO_WM_UNIT_DIAGRAM_ISNUMVISUAL" val="0"/>
-  <p:tag name="KSO_WM_UNIT_DIAGRAM_ISREFERUNIT" val="0"/>
-  <p:tag name="KSO_WM_UNIT_ID" val="_11**"/>
-  <p:tag name="KSO_WM_UNIT_LAYERLEVEL" val="1"/>
-  <p:tag name="KSO_WM_TAG_VERSION" val="1.0"/>
-  <p:tag name="KSO_WM_BEAUTIFY_FLAG" val="#wm#"/>
-</p:tagLst>
-</file>
-
-<file path=ppt/tags/tag55.xml><?xml version="1.0" encoding="utf-8"?>
-<p:tagLst xmlns:p="http://schemas.openxmlformats.org/presentationml/2006/main">
-  <p:tag name="KSO_WM_UNIT_HIGHLIGHT" val="0"/>
-  <p:tag name="KSO_WM_UNIT_COMPATIBLE" val="0"/>
-  <p:tag name="KSO_WM_UNIT_DIAGRAM_ISNUMVISUAL" val="0"/>
-  <p:tag name="KSO_WM_UNIT_DIAGRAM_ISREFERUNIT" val="0"/>
-  <p:tag name="KSO_WM_UNIT_ID" val="_11**"/>
-  <p:tag name="KSO_WM_UNIT_LAYERLEVEL" val="1"/>
-  <p:tag name="KSO_WM_TAG_VERSION" val="1.0"/>
-  <p:tag name="KSO_WM_BEAUTIFY_FLAG" val="#wm#"/>
-</p:tagLst>
-</file>
-
-<file path=ppt/tags/tag56.xml><?xml version="1.0" encoding="utf-8"?>
-<p:tagLst xmlns:p="http://schemas.openxmlformats.org/presentationml/2006/main">
-  <p:tag name="KSO_WM_UNIT_HIGHLIGHT" val="0"/>
-  <p:tag name="KSO_WM_UNIT_COMPATIBLE" val="0"/>
-  <p:tag name="KSO_WM_UNIT_DIAGRAM_ISNUMVISUAL" val="0"/>
-  <p:tag name="KSO_WM_UNIT_DIAGRAM_ISREFERUNIT" val="0"/>
-  <p:tag name="KSO_WM_UNIT_ID" val="_11**"/>
-  <p:tag name="KSO_WM_UNIT_LAYERLEVEL" val="1"/>
-  <p:tag name="KSO_WM_TAG_VERSION" val="1.0"/>
-  <p:tag name="KSO_WM_BEAUTIFY_FLAG" val="#wm#"/>
-</p:tagLst>
-</file>
-
-<file path=ppt/tags/tag57.xml><?xml version="1.0" encoding="utf-8"?>
-<p:tagLst xmlns:p="http://schemas.openxmlformats.org/presentationml/2006/main">
-  <p:tag name="KSO_WM_UNIT_HIGHLIGHT" val="0"/>
-  <p:tag name="KSO_WM_UNIT_COMPATIBLE" val="0"/>
-  <p:tag name="KSO_WM_UNIT_DIAGRAM_ISNUMVISUAL" val="0"/>
-  <p:tag name="KSO_WM_UNIT_DIAGRAM_ISREFERUNIT" val="0"/>
-  <p:tag name="KSO_WM_UNIT_ID" val="_0**"/>
-  <p:tag name="KSO_WM_UNIT_LAYERLEVEL" val="1"/>
-  <p:tag name="KSO_WM_TAG_VERSION" val="1.0"/>
-  <p:tag name="KSO_WM_BEAUTIFY_FLAG" val="#wm#"/>
-  <p:tag name="KSO_WM_TEMPLATE_CATEGORY" val="custom"/>
-  <p:tag name="KSO_WM_TEMPLATE_INDEX" val="20205176"/>
-</p:tagLst>
-</file>
-
-<file path=ppt/tags/tag58.xml><?xml version="1.0" encoding="utf-8"?>
-<p:tagLst xmlns:p="http://schemas.openxmlformats.org/presentationml/2006/main">
-  <p:tag name="KSO_WM_UNIT_HIGHLIGHT" val="0"/>
-  <p:tag name="KSO_WM_UNIT_COMPATIBLE" val="0"/>
-  <p:tag name="KSO_WM_UNIT_DIAGRAM_ISNUMVISUAL" val="0"/>
-  <p:tag name="KSO_WM_UNIT_DIAGRAM_ISREFERUNIT" val="0"/>
-  <p:tag name="KSO_WM_UNIT_ID" val="_0**"/>
-  <p:tag name="KSO_WM_UNIT_LAYERLEVEL" val="1"/>
-  <p:tag name="KSO_WM_TAG_VERSION" val="1.0"/>
-  <p:tag name="KSO_WM_BEAUTIFY_FLAG" val="#wm#"/>
-  <p:tag name="KSO_WM_TEMPLATE_CATEGORY" val="custom"/>
-  <p:tag name="KSO_WM_TEMPLATE_INDEX" val="20205176"/>
-</p:tagLst>
-</file>
-
-<file path=ppt/tags/tag59.xml><?xml version="1.0" encoding="utf-8"?>
-<p:tagLst xmlns:p="http://schemas.openxmlformats.org/presentationml/2006/main">
-  <p:tag name="KSO_WM_UNIT_HIGHLIGHT" val="0"/>
-  <p:tag name="KSO_WM_UNIT_COMPATIBLE" val="0"/>
-  <p:tag name="KSO_WM_UNIT_DIAGRAM_ISNUMVISUAL" val="0"/>
-  <p:tag name="KSO_WM_UNIT_DIAGRAM_ISREFERUNIT" val="0"/>
-  <p:tag name="KSO_WM_UNIT_ID" val="_0**"/>
-  <p:tag name="KSO_WM_UNIT_LAYERLEVEL" val="1"/>
-  <p:tag name="KSO_WM_TAG_VERSION" val="1.0"/>
-  <p:tag name="KSO_WM_BEAUTIFY_FLAG" val="#wm#"/>
-</p:tagLst>
-</file>
-
-<file path=ppt/tags/tag6.xml><?xml version="1.0" encoding="utf-8"?>
-<p:tagLst xmlns:p="http://schemas.openxmlformats.org/presentationml/2006/main">
-  <p:tag name="KSO_WM_UNIT_HIGHLIGHT" val="0"/>
-  <p:tag name="KSO_WM_UNIT_COMPATIBLE" val="0"/>
-  <p:tag name="KSO_WM_UNIT_DIAGRAM_ISNUMVISUAL" val="0"/>
-  <p:tag name="KSO_WM_UNIT_DIAGRAM_ISREFERUNIT" val="0"/>
-  <p:tag name="KSO_WM_UNIT_ID" val="_2**"/>
-  <p:tag name="KSO_WM_UNIT_LAYERLEVEL" val="1"/>
-  <p:tag name="KSO_WM_TAG_VERSION" val="1.0"/>
-  <p:tag name="KSO_WM_BEAUTIFY_FLAG" val="#wm#"/>
-</p:tagLst>
-</file>
-
-<file path=ppt/tags/tag60.xml><?xml version="1.0" encoding="utf-8"?>
-<p:tagLst xmlns:p="http://schemas.openxmlformats.org/presentationml/2006/main">
-  <p:tag name="KSO_WM_UNIT_HIGHLIGHT" val="0"/>
-  <p:tag name="KSO_WM_UNIT_COMPATIBLE" val="0"/>
-  <p:tag name="KSO_WM_UNIT_DIAGRAM_ISNUMVISUAL" val="0"/>
-  <p:tag name="KSO_WM_UNIT_DIAGRAM_ISREFERUNIT" val="0"/>
-  <p:tag name="KSO_WM_UNIT_ID" val="_0**"/>
-  <p:tag name="KSO_WM_UNIT_LAYERLEVEL" val="1"/>
-  <p:tag name="KSO_WM_TAG_VERSION" val="1.0"/>
-  <p:tag name="KSO_WM_BEAUTIFY_FLAG" val="#wm#"/>
-</p:tagLst>
-</file>
-
-<file path=ppt/tags/tag61.xml><?xml version="1.0" encoding="utf-8"?>
-<p:tagLst xmlns:p="http://schemas.openxmlformats.org/presentationml/2006/main">
-  <p:tag name="KSO_WM_UNIT_HIGHLIGHT" val="0"/>
-  <p:tag name="KSO_WM_UNIT_COMPATIBLE" val="0"/>
-  <p:tag name="KSO_WM_UNIT_DIAGRAM_ISNUMVISUAL" val="0"/>
-  <p:tag name="KSO_WM_UNIT_DIAGRAM_ISREFERUNIT" val="0"/>
-  <p:tag name="KSO_WM_UNIT_ID" val="_0**"/>
-  <p:tag name="KSO_WM_UNIT_LAYERLEVEL" val="1"/>
-  <p:tag name="KSO_WM_TAG_VERSION" val="1.0"/>
-  <p:tag name="KSO_WM_BEAUTIFY_FLAG" val="#wm#"/>
-</p:tagLst>
-</file>
-
-<file path=ppt/tags/tag62.xml><?xml version="1.0" encoding="utf-8"?>
-<p:tagLst xmlns:p="http://schemas.openxmlformats.org/presentationml/2006/main">
+<p:tagLst xmlns:a="http://schemas.openxmlformats.org/drawingml/2006/main" xmlns:r="http://schemas.openxmlformats.org/officeDocument/2006/relationships" xmlns:p="http://schemas.openxmlformats.org/presentationml/2006/main">
   <p:tag name="KSO_WM_TEMPLATE_THUMBS_INDEX" val="1、4、7、12、13、14、15、16、17、18、20、24、25、28、33、36、40、43、44"/>
   <p:tag name="KSO_WM_TEMPLATE_SUBCATEGORY" val="19"/>
   <p:tag name="KSO_WM_TAG_VERSION" val="1.0"/>
@@ -4986,8 +4296,636 @@
 </p:tagLst>
 </file>
 
+<file path=ppt/tags/tag20.xml><?xml version="1.0" encoding="utf-8"?>
+<p:tagLst xmlns:a="http://schemas.openxmlformats.org/drawingml/2006/main" xmlns:r="http://schemas.openxmlformats.org/officeDocument/2006/relationships" xmlns:p="http://schemas.openxmlformats.org/presentationml/2006/main">
+  <p:tag name="KSO_WM_UNIT_HIGHLIGHT" val="0"/>
+  <p:tag name="KSO_WM_UNIT_COMPATIBLE" val="0"/>
+  <p:tag name="KSO_WM_UNIT_DIAGRAM_ISNUMVISUAL" val="0"/>
+  <p:tag name="KSO_WM_UNIT_DIAGRAM_ISREFERUNIT" val="0"/>
+  <p:tag name="KSO_WM_UNIT_ID" val="_3**"/>
+  <p:tag name="KSO_WM_UNIT_LAYERLEVEL" val="1"/>
+  <p:tag name="KSO_WM_TAG_VERSION" val="1.0"/>
+  <p:tag name="KSO_WM_BEAUTIFY_FLAG" val="#wm#"/>
+</p:tagLst>
+</file>
+
+<file path=ppt/tags/tag21.xml><?xml version="1.0" encoding="utf-8"?>
+<p:tagLst xmlns:a="http://schemas.openxmlformats.org/drawingml/2006/main" xmlns:r="http://schemas.openxmlformats.org/officeDocument/2006/relationships" xmlns:p="http://schemas.openxmlformats.org/presentationml/2006/main">
+  <p:tag name="KSO_WM_UNIT_HIGHLIGHT" val="0"/>
+  <p:tag name="KSO_WM_UNIT_COMPATIBLE" val="0"/>
+  <p:tag name="KSO_WM_UNIT_DIAGRAM_ISNUMVISUAL" val="0"/>
+  <p:tag name="KSO_WM_UNIT_DIAGRAM_ISREFERUNIT" val="0"/>
+  <p:tag name="KSO_WM_UNIT_ID" val="_3**"/>
+  <p:tag name="KSO_WM_UNIT_LAYERLEVEL" val="1"/>
+  <p:tag name="KSO_WM_TAG_VERSION" val="1.0"/>
+  <p:tag name="KSO_WM_BEAUTIFY_FLAG" val="#wm#"/>
+</p:tagLst>
+</file>
+
+<file path=ppt/tags/tag22.xml><?xml version="1.0" encoding="utf-8"?>
+<p:tagLst xmlns:a="http://schemas.openxmlformats.org/drawingml/2006/main" xmlns:r="http://schemas.openxmlformats.org/officeDocument/2006/relationships" xmlns:p="http://schemas.openxmlformats.org/presentationml/2006/main">
+  <p:tag name="KSO_WM_UNIT_HIGHLIGHT" val="0"/>
+  <p:tag name="KSO_WM_UNIT_COMPATIBLE" val="0"/>
+  <p:tag name="KSO_WM_UNIT_DIAGRAM_ISNUMVISUAL" val="0"/>
+  <p:tag name="KSO_WM_UNIT_DIAGRAM_ISREFERUNIT" val="0"/>
+  <p:tag name="KSO_WM_UNIT_ID" val="_3**"/>
+  <p:tag name="KSO_WM_UNIT_LAYERLEVEL" val="1"/>
+  <p:tag name="KSO_WM_TAG_VERSION" val="1.0"/>
+  <p:tag name="KSO_WM_BEAUTIFY_FLAG" val="#wm#"/>
+</p:tagLst>
+</file>
+
+<file path=ppt/tags/tag23.xml><?xml version="1.0" encoding="utf-8"?>
+<p:tagLst xmlns:a="http://schemas.openxmlformats.org/drawingml/2006/main" xmlns:r="http://schemas.openxmlformats.org/officeDocument/2006/relationships" xmlns:p="http://schemas.openxmlformats.org/presentationml/2006/main">
+  <p:tag name="KSO_WM_UNIT_HIGHLIGHT" val="0"/>
+  <p:tag name="KSO_WM_UNIT_COMPATIBLE" val="0"/>
+  <p:tag name="KSO_WM_UNIT_DIAGRAM_ISNUMVISUAL" val="0"/>
+  <p:tag name="KSO_WM_UNIT_DIAGRAM_ISREFERUNIT" val="0"/>
+  <p:tag name="KSO_WM_UNIT_ID" val="_4**"/>
+  <p:tag name="KSO_WM_UNIT_LAYERLEVEL" val="1"/>
+  <p:tag name="KSO_WM_TAG_VERSION" val="1.0"/>
+  <p:tag name="KSO_WM_BEAUTIFY_FLAG" val="#wm#"/>
+</p:tagLst>
+</file>
+
+<file path=ppt/tags/tag24.xml><?xml version="1.0" encoding="utf-8"?>
+<p:tagLst xmlns:a="http://schemas.openxmlformats.org/drawingml/2006/main" xmlns:r="http://schemas.openxmlformats.org/officeDocument/2006/relationships" xmlns:p="http://schemas.openxmlformats.org/presentationml/2006/main">
+  <p:tag name="KSO_WM_UNIT_HIGHLIGHT" val="0"/>
+  <p:tag name="KSO_WM_UNIT_COMPATIBLE" val="0"/>
+  <p:tag name="KSO_WM_UNIT_DIAGRAM_ISNUMVISUAL" val="0"/>
+  <p:tag name="KSO_WM_UNIT_DIAGRAM_ISREFERUNIT" val="0"/>
+  <p:tag name="KSO_WM_UNIT_ID" val="_4**"/>
+  <p:tag name="KSO_WM_UNIT_LAYERLEVEL" val="1"/>
+  <p:tag name="KSO_WM_TAG_VERSION" val="1.0"/>
+  <p:tag name="KSO_WM_BEAUTIFY_FLAG" val="#wm#"/>
+</p:tagLst>
+</file>
+
+<file path=ppt/tags/tag25.xml><?xml version="1.0" encoding="utf-8"?>
+<p:tagLst xmlns:a="http://schemas.openxmlformats.org/drawingml/2006/main" xmlns:r="http://schemas.openxmlformats.org/officeDocument/2006/relationships" xmlns:p="http://schemas.openxmlformats.org/presentationml/2006/main">
+  <p:tag name="KSO_WM_UNIT_HIGHLIGHT" val="0"/>
+  <p:tag name="KSO_WM_UNIT_COMPATIBLE" val="0"/>
+  <p:tag name="KSO_WM_UNIT_DIAGRAM_ISNUMVISUAL" val="0"/>
+  <p:tag name="KSO_WM_UNIT_DIAGRAM_ISREFERUNIT" val="0"/>
+  <p:tag name="KSO_WM_UNIT_ID" val="_4**"/>
+  <p:tag name="KSO_WM_UNIT_LAYERLEVEL" val="1"/>
+  <p:tag name="KSO_WM_TAG_VERSION" val="1.0"/>
+  <p:tag name="KSO_WM_BEAUTIFY_FLAG" val="#wm#"/>
+</p:tagLst>
+</file>
+
+<file path=ppt/tags/tag26.xml><?xml version="1.0" encoding="utf-8"?>
+<p:tagLst xmlns:a="http://schemas.openxmlformats.org/drawingml/2006/main" xmlns:r="http://schemas.openxmlformats.org/officeDocument/2006/relationships" xmlns:p="http://schemas.openxmlformats.org/presentationml/2006/main">
+  <p:tag name="KSO_WM_UNIT_HIGHLIGHT" val="0"/>
+  <p:tag name="KSO_WM_UNIT_COMPATIBLE" val="0"/>
+  <p:tag name="KSO_WM_UNIT_DIAGRAM_ISNUMVISUAL" val="0"/>
+  <p:tag name="KSO_WM_UNIT_DIAGRAM_ISREFERUNIT" val="0"/>
+  <p:tag name="KSO_WM_UNIT_ID" val="_4**"/>
+  <p:tag name="KSO_WM_UNIT_LAYERLEVEL" val="1"/>
+  <p:tag name="KSO_WM_TAG_VERSION" val="1.0"/>
+  <p:tag name="KSO_WM_BEAUTIFY_FLAG" val="#wm#"/>
+</p:tagLst>
+</file>
+
+<file path=ppt/tags/tag27.xml><?xml version="1.0" encoding="utf-8"?>
+<p:tagLst xmlns:a="http://schemas.openxmlformats.org/drawingml/2006/main" xmlns:r="http://schemas.openxmlformats.org/officeDocument/2006/relationships" xmlns:p="http://schemas.openxmlformats.org/presentationml/2006/main">
+  <p:tag name="KSO_WM_UNIT_HIGHLIGHT" val="0"/>
+  <p:tag name="KSO_WM_UNIT_COMPATIBLE" val="0"/>
+  <p:tag name="KSO_WM_UNIT_DIAGRAM_ISNUMVISUAL" val="0"/>
+  <p:tag name="KSO_WM_UNIT_DIAGRAM_ISREFERUNIT" val="0"/>
+  <p:tag name="KSO_WM_UNIT_ID" val="_4**"/>
+  <p:tag name="KSO_WM_UNIT_LAYERLEVEL" val="1"/>
+  <p:tag name="KSO_WM_TAG_VERSION" val="1.0"/>
+  <p:tag name="KSO_WM_BEAUTIFY_FLAG" val="#wm#"/>
+</p:tagLst>
+</file>
+
+<file path=ppt/tags/tag28.xml><?xml version="1.0" encoding="utf-8"?>
+<p:tagLst xmlns:a="http://schemas.openxmlformats.org/drawingml/2006/main" xmlns:r="http://schemas.openxmlformats.org/officeDocument/2006/relationships" xmlns:p="http://schemas.openxmlformats.org/presentationml/2006/main">
+  <p:tag name="KSO_WM_UNIT_HIGHLIGHT" val="0"/>
+  <p:tag name="KSO_WM_UNIT_COMPATIBLE" val="0"/>
+  <p:tag name="KSO_WM_UNIT_DIAGRAM_ISNUMVISUAL" val="0"/>
+  <p:tag name="KSO_WM_UNIT_DIAGRAM_ISREFERUNIT" val="0"/>
+  <p:tag name="KSO_WM_UNIT_ID" val="_4**"/>
+  <p:tag name="KSO_WM_UNIT_LAYERLEVEL" val="1"/>
+  <p:tag name="KSO_WM_TAG_VERSION" val="1.0"/>
+  <p:tag name="KSO_WM_BEAUTIFY_FLAG" val="#wm#"/>
+</p:tagLst>
+</file>
+
+<file path=ppt/tags/tag29.xml><?xml version="1.0" encoding="utf-8"?>
+<p:tagLst xmlns:a="http://schemas.openxmlformats.org/drawingml/2006/main" xmlns:r="http://schemas.openxmlformats.org/officeDocument/2006/relationships" xmlns:p="http://schemas.openxmlformats.org/presentationml/2006/main">
+  <p:tag name="KSO_WM_UNIT_HIGHLIGHT" val="0"/>
+  <p:tag name="KSO_WM_UNIT_COMPATIBLE" val="0"/>
+  <p:tag name="KSO_WM_UNIT_DIAGRAM_ISNUMVISUAL" val="0"/>
+  <p:tag name="KSO_WM_UNIT_DIAGRAM_ISREFERUNIT" val="0"/>
+  <p:tag name="KSO_WM_UNIT_ID" val="_5**"/>
+  <p:tag name="KSO_WM_UNIT_LAYERLEVEL" val="1"/>
+  <p:tag name="KSO_WM_TAG_VERSION" val="1.0"/>
+  <p:tag name="KSO_WM_BEAUTIFY_FLAG" val="#wm#"/>
+</p:tagLst>
+</file>
+
+<file path=ppt/tags/tag3.xml><?xml version="1.0" encoding="utf-8"?>
+<p:tagLst xmlns:a="http://schemas.openxmlformats.org/drawingml/2006/main" xmlns:r="http://schemas.openxmlformats.org/officeDocument/2006/relationships" xmlns:p="http://schemas.openxmlformats.org/presentationml/2006/main">
+  <p:tag name="KSO_WM_UNIT_HIGHLIGHT" val="0"/>
+  <p:tag name="KSO_WM_UNIT_COMPATIBLE" val="0"/>
+  <p:tag name="KSO_WM_UNIT_DIAGRAM_ISNUMVISUAL" val="0"/>
+  <p:tag name="KSO_WM_UNIT_DIAGRAM_ISREFERUNIT" val="0"/>
+  <p:tag name="KSO_WM_UNIT_ID" val="_0**"/>
+  <p:tag name="KSO_WM_UNIT_LAYERLEVEL" val="1"/>
+  <p:tag name="KSO_WM_TAG_VERSION" val="1.0"/>
+  <p:tag name="KSO_WM_BEAUTIFY_FLAG" val="#wm#"/>
+  <p:tag name="KSO_WM_TEMPLATE_CATEGORY" val="custom"/>
+  <p:tag name="KSO_WM_TEMPLATE_INDEX" val="20205176"/>
+</p:tagLst>
+</file>
+
+<file path=ppt/tags/tag30.xml><?xml version="1.0" encoding="utf-8"?>
+<p:tagLst xmlns:a="http://schemas.openxmlformats.org/drawingml/2006/main" xmlns:r="http://schemas.openxmlformats.org/officeDocument/2006/relationships" xmlns:p="http://schemas.openxmlformats.org/presentationml/2006/main">
+  <p:tag name="KSO_WM_UNIT_HIGHLIGHT" val="0"/>
+  <p:tag name="KSO_WM_UNIT_COMPATIBLE" val="0"/>
+  <p:tag name="KSO_WM_UNIT_DIAGRAM_ISNUMVISUAL" val="0"/>
+  <p:tag name="KSO_WM_UNIT_DIAGRAM_ISREFERUNIT" val="0"/>
+  <p:tag name="KSO_WM_UNIT_ID" val="_5**"/>
+  <p:tag name="KSO_WM_UNIT_LAYERLEVEL" val="1"/>
+  <p:tag name="KSO_WM_TAG_VERSION" val="1.0"/>
+  <p:tag name="KSO_WM_BEAUTIFY_FLAG" val="#wm#"/>
+</p:tagLst>
+</file>
+
+<file path=ppt/tags/tag31.xml><?xml version="1.0" encoding="utf-8"?>
+<p:tagLst xmlns:a="http://schemas.openxmlformats.org/drawingml/2006/main" xmlns:r="http://schemas.openxmlformats.org/officeDocument/2006/relationships" xmlns:p="http://schemas.openxmlformats.org/presentationml/2006/main">
+  <p:tag name="KSO_WM_UNIT_HIGHLIGHT" val="0"/>
+  <p:tag name="KSO_WM_UNIT_COMPATIBLE" val="0"/>
+  <p:tag name="KSO_WM_UNIT_DIAGRAM_ISNUMVISUAL" val="0"/>
+  <p:tag name="KSO_WM_UNIT_DIAGRAM_ISREFERUNIT" val="0"/>
+  <p:tag name="KSO_WM_UNIT_ID" val="_5**"/>
+  <p:tag name="KSO_WM_UNIT_LAYERLEVEL" val="1"/>
+  <p:tag name="KSO_WM_TAG_VERSION" val="1.0"/>
+  <p:tag name="KSO_WM_BEAUTIFY_FLAG" val="#wm#"/>
+</p:tagLst>
+</file>
+
+<file path=ppt/tags/tag32.xml><?xml version="1.0" encoding="utf-8"?>
+<p:tagLst xmlns:a="http://schemas.openxmlformats.org/drawingml/2006/main" xmlns:r="http://schemas.openxmlformats.org/officeDocument/2006/relationships" xmlns:p="http://schemas.openxmlformats.org/presentationml/2006/main">
+  <p:tag name="KSO_WM_UNIT_HIGHLIGHT" val="0"/>
+  <p:tag name="KSO_WM_UNIT_COMPATIBLE" val="0"/>
+  <p:tag name="KSO_WM_UNIT_DIAGRAM_ISNUMVISUAL" val="0"/>
+  <p:tag name="KSO_WM_UNIT_DIAGRAM_ISREFERUNIT" val="0"/>
+  <p:tag name="KSO_WM_UNIT_ID" val="_5**"/>
+  <p:tag name="KSO_WM_UNIT_LAYERLEVEL" val="1"/>
+  <p:tag name="KSO_WM_TAG_VERSION" val="1.0"/>
+  <p:tag name="KSO_WM_BEAUTIFY_FLAG" val="#wm#"/>
+</p:tagLst>
+</file>
+
+<file path=ppt/tags/tag33.xml><?xml version="1.0" encoding="utf-8"?>
+<p:tagLst xmlns:a="http://schemas.openxmlformats.org/drawingml/2006/main" xmlns:r="http://schemas.openxmlformats.org/officeDocument/2006/relationships" xmlns:p="http://schemas.openxmlformats.org/presentationml/2006/main">
+  <p:tag name="KSO_WM_UNIT_HIGHLIGHT" val="0"/>
+  <p:tag name="KSO_WM_UNIT_COMPATIBLE" val="0"/>
+  <p:tag name="KSO_WM_UNIT_DIAGRAM_ISNUMVISUAL" val="0"/>
+  <p:tag name="KSO_WM_UNIT_DIAGRAM_ISREFERUNIT" val="0"/>
+  <p:tag name="KSO_WM_UNIT_ID" val="_5**"/>
+  <p:tag name="KSO_WM_UNIT_LAYERLEVEL" val="1"/>
+  <p:tag name="KSO_WM_TAG_VERSION" val="1.0"/>
+  <p:tag name="KSO_WM_BEAUTIFY_FLAG" val="#wm#"/>
+</p:tagLst>
+</file>
+
+<file path=ppt/tags/tag34.xml><?xml version="1.0" encoding="utf-8"?>
+<p:tagLst xmlns:a="http://schemas.openxmlformats.org/drawingml/2006/main" xmlns:r="http://schemas.openxmlformats.org/officeDocument/2006/relationships" xmlns:p="http://schemas.openxmlformats.org/presentationml/2006/main">
+  <p:tag name="KSO_WM_UNIT_HIGHLIGHT" val="0"/>
+  <p:tag name="KSO_WM_UNIT_COMPATIBLE" val="0"/>
+  <p:tag name="KSO_WM_UNIT_DIAGRAM_ISNUMVISUAL" val="0"/>
+  <p:tag name="KSO_WM_UNIT_DIAGRAM_ISREFERUNIT" val="0"/>
+  <p:tag name="KSO_WM_UNIT_ID" val="_5**"/>
+  <p:tag name="KSO_WM_UNIT_LAYERLEVEL" val="1"/>
+  <p:tag name="KSO_WM_TAG_VERSION" val="1.0"/>
+  <p:tag name="KSO_WM_BEAUTIFY_FLAG" val="#wm#"/>
+</p:tagLst>
+</file>
+
+<file path=ppt/tags/tag35.xml><?xml version="1.0" encoding="utf-8"?>
+<p:tagLst xmlns:a="http://schemas.openxmlformats.org/drawingml/2006/main" xmlns:r="http://schemas.openxmlformats.org/officeDocument/2006/relationships" xmlns:p="http://schemas.openxmlformats.org/presentationml/2006/main">
+  <p:tag name="KSO_WM_UNIT_HIGHLIGHT" val="0"/>
+  <p:tag name="KSO_WM_UNIT_COMPATIBLE" val="0"/>
+  <p:tag name="KSO_WM_UNIT_DIAGRAM_ISNUMVISUAL" val="0"/>
+  <p:tag name="KSO_WM_UNIT_DIAGRAM_ISREFERUNIT" val="0"/>
+  <p:tag name="KSO_WM_UNIT_ID" val="_5**"/>
+  <p:tag name="KSO_WM_UNIT_LAYERLEVEL" val="1"/>
+  <p:tag name="KSO_WM_TAG_VERSION" val="1.0"/>
+  <p:tag name="KSO_WM_BEAUTIFY_FLAG" val="#wm#"/>
+</p:tagLst>
+</file>
+
+<file path=ppt/tags/tag36.xml><?xml version="1.0" encoding="utf-8"?>
+<p:tagLst xmlns:a="http://schemas.openxmlformats.org/drawingml/2006/main" xmlns:r="http://schemas.openxmlformats.org/officeDocument/2006/relationships" xmlns:p="http://schemas.openxmlformats.org/presentationml/2006/main">
+  <p:tag name="KSO_WM_UNIT_HIGHLIGHT" val="0"/>
+  <p:tag name="KSO_WM_UNIT_COMPATIBLE" val="0"/>
+  <p:tag name="KSO_WM_UNIT_DIAGRAM_ISNUMVISUAL" val="0"/>
+  <p:tag name="KSO_WM_UNIT_DIAGRAM_ISREFERUNIT" val="0"/>
+  <p:tag name="KSO_WM_UNIT_ID" val="_5**"/>
+  <p:tag name="KSO_WM_UNIT_LAYERLEVEL" val="1"/>
+  <p:tag name="KSO_WM_TAG_VERSION" val="1.0"/>
+  <p:tag name="KSO_WM_BEAUTIFY_FLAG" val="#wm#"/>
+</p:tagLst>
+</file>
+
+<file path=ppt/tags/tag37.xml><?xml version="1.0" encoding="utf-8"?>
+<p:tagLst xmlns:a="http://schemas.openxmlformats.org/drawingml/2006/main" xmlns:r="http://schemas.openxmlformats.org/officeDocument/2006/relationships" xmlns:p="http://schemas.openxmlformats.org/presentationml/2006/main">
+  <p:tag name="KSO_WM_UNIT_HIGHLIGHT" val="0"/>
+  <p:tag name="KSO_WM_UNIT_COMPATIBLE" val="0"/>
+  <p:tag name="KSO_WM_UNIT_DIAGRAM_ISNUMVISUAL" val="0"/>
+  <p:tag name="KSO_WM_UNIT_DIAGRAM_ISREFERUNIT" val="0"/>
+  <p:tag name="KSO_WM_UNIT_ID" val="_6**"/>
+  <p:tag name="KSO_WM_UNIT_LAYERLEVEL" val="1"/>
+  <p:tag name="KSO_WM_TAG_VERSION" val="1.0"/>
+  <p:tag name="KSO_WM_BEAUTIFY_FLAG" val="#wm#"/>
+</p:tagLst>
+</file>
+
+<file path=ppt/tags/tag38.xml><?xml version="1.0" encoding="utf-8"?>
+<p:tagLst xmlns:a="http://schemas.openxmlformats.org/drawingml/2006/main" xmlns:r="http://schemas.openxmlformats.org/officeDocument/2006/relationships" xmlns:p="http://schemas.openxmlformats.org/presentationml/2006/main">
+  <p:tag name="KSO_WM_UNIT_HIGHLIGHT" val="0"/>
+  <p:tag name="KSO_WM_UNIT_COMPATIBLE" val="0"/>
+  <p:tag name="KSO_WM_UNIT_DIAGRAM_ISNUMVISUAL" val="0"/>
+  <p:tag name="KSO_WM_UNIT_DIAGRAM_ISREFERUNIT" val="0"/>
+  <p:tag name="KSO_WM_UNIT_ID" val="_6**"/>
+  <p:tag name="KSO_WM_UNIT_LAYERLEVEL" val="1"/>
+  <p:tag name="KSO_WM_TAG_VERSION" val="1.0"/>
+  <p:tag name="KSO_WM_BEAUTIFY_FLAG" val="#wm#"/>
+</p:tagLst>
+</file>
+
+<file path=ppt/tags/tag39.xml><?xml version="1.0" encoding="utf-8"?>
+<p:tagLst xmlns:a="http://schemas.openxmlformats.org/drawingml/2006/main" xmlns:r="http://schemas.openxmlformats.org/officeDocument/2006/relationships" xmlns:p="http://schemas.openxmlformats.org/presentationml/2006/main">
+  <p:tag name="KSO_WM_UNIT_HIGHLIGHT" val="0"/>
+  <p:tag name="KSO_WM_UNIT_COMPATIBLE" val="0"/>
+  <p:tag name="KSO_WM_UNIT_DIAGRAM_ISNUMVISUAL" val="0"/>
+  <p:tag name="KSO_WM_UNIT_DIAGRAM_ISREFERUNIT" val="0"/>
+  <p:tag name="KSO_WM_UNIT_ID" val="_6**"/>
+  <p:tag name="KSO_WM_UNIT_LAYERLEVEL" val="1"/>
+  <p:tag name="KSO_WM_TAG_VERSION" val="1.0"/>
+  <p:tag name="KSO_WM_BEAUTIFY_FLAG" val="#wm#"/>
+</p:tagLst>
+</file>
+
+<file path=ppt/tags/tag4.xml><?xml version="1.0" encoding="utf-8"?>
+<p:tagLst xmlns:a="http://schemas.openxmlformats.org/drawingml/2006/main" xmlns:r="http://schemas.openxmlformats.org/officeDocument/2006/relationships" xmlns:p="http://schemas.openxmlformats.org/presentationml/2006/main">
+  <p:tag name="KSO_WM_UNIT_HIGHLIGHT" val="0"/>
+  <p:tag name="KSO_WM_UNIT_COMPATIBLE" val="0"/>
+  <p:tag name="KSO_WM_UNIT_DIAGRAM_ISNUMVISUAL" val="0"/>
+  <p:tag name="KSO_WM_UNIT_DIAGRAM_ISREFERUNIT" val="0"/>
+  <p:tag name="KSO_WM_UNIT_ID" val="_0**"/>
+  <p:tag name="KSO_WM_UNIT_LAYERLEVEL" val="1"/>
+  <p:tag name="KSO_WM_TAG_VERSION" val="1.0"/>
+  <p:tag name="KSO_WM_BEAUTIFY_FLAG" val="#wm#"/>
+  <p:tag name="KSO_WM_TEMPLATE_CATEGORY" val="custom"/>
+  <p:tag name="KSO_WM_TEMPLATE_INDEX" val="20205176"/>
+</p:tagLst>
+</file>
+
+<file path=ppt/tags/tag40.xml><?xml version="1.0" encoding="utf-8"?>
+<p:tagLst xmlns:a="http://schemas.openxmlformats.org/drawingml/2006/main" xmlns:r="http://schemas.openxmlformats.org/officeDocument/2006/relationships" xmlns:p="http://schemas.openxmlformats.org/presentationml/2006/main">
+  <p:tag name="KSO_WM_UNIT_HIGHLIGHT" val="0"/>
+  <p:tag name="KSO_WM_UNIT_COMPATIBLE" val="0"/>
+  <p:tag name="KSO_WM_UNIT_DIAGRAM_ISNUMVISUAL" val="0"/>
+  <p:tag name="KSO_WM_UNIT_DIAGRAM_ISREFERUNIT" val="0"/>
+  <p:tag name="KSO_WM_UNIT_ID" val="_6**"/>
+  <p:tag name="KSO_WM_UNIT_LAYERLEVEL" val="1"/>
+  <p:tag name="KSO_WM_TAG_VERSION" val="1.0"/>
+  <p:tag name="KSO_WM_BEAUTIFY_FLAG" val="#wm#"/>
+</p:tagLst>
+</file>
+
+<file path=ppt/tags/tag41.xml><?xml version="1.0" encoding="utf-8"?>
+<p:tagLst xmlns:a="http://schemas.openxmlformats.org/drawingml/2006/main" xmlns:r="http://schemas.openxmlformats.org/officeDocument/2006/relationships" xmlns:p="http://schemas.openxmlformats.org/presentationml/2006/main">
+  <p:tag name="KSO_WM_UNIT_HIGHLIGHT" val="0"/>
+  <p:tag name="KSO_WM_UNIT_COMPATIBLE" val="0"/>
+  <p:tag name="KSO_WM_UNIT_DIAGRAM_ISNUMVISUAL" val="0"/>
+  <p:tag name="KSO_WM_UNIT_DIAGRAM_ISREFERUNIT" val="0"/>
+  <p:tag name="KSO_WM_UNIT_ID" val="_7**"/>
+  <p:tag name="KSO_WM_UNIT_LAYERLEVEL" val="1"/>
+  <p:tag name="KSO_WM_TAG_VERSION" val="1.0"/>
+  <p:tag name="KSO_WM_BEAUTIFY_FLAG" val="#wm#"/>
+</p:tagLst>
+</file>
+
+<file path=ppt/tags/tag42.xml><?xml version="1.0" encoding="utf-8"?>
+<p:tagLst xmlns:a="http://schemas.openxmlformats.org/drawingml/2006/main" xmlns:r="http://schemas.openxmlformats.org/officeDocument/2006/relationships" xmlns:p="http://schemas.openxmlformats.org/presentationml/2006/main">
+  <p:tag name="KSO_WM_UNIT_HIGHLIGHT" val="0"/>
+  <p:tag name="KSO_WM_UNIT_COMPATIBLE" val="0"/>
+  <p:tag name="KSO_WM_UNIT_DIAGRAM_ISNUMVISUAL" val="0"/>
+  <p:tag name="KSO_WM_UNIT_DIAGRAM_ISREFERUNIT" val="0"/>
+  <p:tag name="KSO_WM_UNIT_ID" val="_7**"/>
+  <p:tag name="KSO_WM_UNIT_LAYERLEVEL" val="1"/>
+  <p:tag name="KSO_WM_TAG_VERSION" val="1.0"/>
+  <p:tag name="KSO_WM_BEAUTIFY_FLAG" val="#wm#"/>
+</p:tagLst>
+</file>
+
+<file path=ppt/tags/tag43.xml><?xml version="1.0" encoding="utf-8"?>
+<p:tagLst xmlns:a="http://schemas.openxmlformats.org/drawingml/2006/main" xmlns:r="http://schemas.openxmlformats.org/officeDocument/2006/relationships" xmlns:p="http://schemas.openxmlformats.org/presentationml/2006/main">
+  <p:tag name="KSO_WM_UNIT_HIGHLIGHT" val="0"/>
+  <p:tag name="KSO_WM_UNIT_COMPATIBLE" val="0"/>
+  <p:tag name="KSO_WM_UNIT_DIAGRAM_ISNUMVISUAL" val="0"/>
+  <p:tag name="KSO_WM_UNIT_DIAGRAM_ISREFERUNIT" val="0"/>
+  <p:tag name="KSO_WM_UNIT_ID" val="_7**"/>
+  <p:tag name="KSO_WM_UNIT_LAYERLEVEL" val="1"/>
+  <p:tag name="KSO_WM_TAG_VERSION" val="1.0"/>
+  <p:tag name="KSO_WM_BEAUTIFY_FLAG" val="#wm#"/>
+</p:tagLst>
+</file>
+
+<file path=ppt/tags/tag44.xml><?xml version="1.0" encoding="utf-8"?>
+<p:tagLst xmlns:a="http://schemas.openxmlformats.org/drawingml/2006/main" xmlns:r="http://schemas.openxmlformats.org/officeDocument/2006/relationships" xmlns:p="http://schemas.openxmlformats.org/presentationml/2006/main">
+  <p:tag name="KSO_WM_UNIT_HIGHLIGHT" val="0"/>
+  <p:tag name="KSO_WM_UNIT_COMPATIBLE" val="0"/>
+  <p:tag name="KSO_WM_UNIT_DIAGRAM_ISNUMVISUAL" val="0"/>
+  <p:tag name="KSO_WM_UNIT_DIAGRAM_ISREFERUNIT" val="0"/>
+  <p:tag name="KSO_WM_UNIT_ID" val="_8**"/>
+  <p:tag name="KSO_WM_UNIT_LAYERLEVEL" val="1"/>
+  <p:tag name="KSO_WM_TAG_VERSION" val="1.0"/>
+  <p:tag name="KSO_WM_BEAUTIFY_FLAG" val="#wm#"/>
+</p:tagLst>
+</file>
+
+<file path=ppt/tags/tag45.xml><?xml version="1.0" encoding="utf-8"?>
+<p:tagLst xmlns:a="http://schemas.openxmlformats.org/drawingml/2006/main" xmlns:r="http://schemas.openxmlformats.org/officeDocument/2006/relationships" xmlns:p="http://schemas.openxmlformats.org/presentationml/2006/main">
+  <p:tag name="KSO_WM_UNIT_HIGHLIGHT" val="0"/>
+  <p:tag name="KSO_WM_UNIT_COMPATIBLE" val="0"/>
+  <p:tag name="KSO_WM_UNIT_DIAGRAM_ISNUMVISUAL" val="0"/>
+  <p:tag name="KSO_WM_UNIT_DIAGRAM_ISREFERUNIT" val="0"/>
+  <p:tag name="KSO_WM_UNIT_ID" val="_8**"/>
+  <p:tag name="KSO_WM_UNIT_LAYERLEVEL" val="1"/>
+  <p:tag name="KSO_WM_TAG_VERSION" val="1.0"/>
+  <p:tag name="KSO_WM_BEAUTIFY_FLAG" val="#wm#"/>
+</p:tagLst>
+</file>
+
+<file path=ppt/tags/tag46.xml><?xml version="1.0" encoding="utf-8"?>
+<p:tagLst xmlns:a="http://schemas.openxmlformats.org/drawingml/2006/main" xmlns:r="http://schemas.openxmlformats.org/officeDocument/2006/relationships" xmlns:p="http://schemas.openxmlformats.org/presentationml/2006/main">
+  <p:tag name="KSO_WM_UNIT_HIGHLIGHT" val="0"/>
+  <p:tag name="KSO_WM_UNIT_COMPATIBLE" val="0"/>
+  <p:tag name="KSO_WM_UNIT_DIAGRAM_ISNUMVISUAL" val="0"/>
+  <p:tag name="KSO_WM_UNIT_DIAGRAM_ISREFERUNIT" val="0"/>
+  <p:tag name="KSO_WM_UNIT_ID" val="_8**"/>
+  <p:tag name="KSO_WM_UNIT_LAYERLEVEL" val="1"/>
+  <p:tag name="KSO_WM_TAG_VERSION" val="1.0"/>
+  <p:tag name="KSO_WM_BEAUTIFY_FLAG" val="#wm#"/>
+</p:tagLst>
+</file>
+
+<file path=ppt/tags/tag47.xml><?xml version="1.0" encoding="utf-8"?>
+<p:tagLst xmlns:a="http://schemas.openxmlformats.org/drawingml/2006/main" xmlns:r="http://schemas.openxmlformats.org/officeDocument/2006/relationships" xmlns:p="http://schemas.openxmlformats.org/presentationml/2006/main">
+  <p:tag name="KSO_WM_UNIT_HIGHLIGHT" val="0"/>
+  <p:tag name="KSO_WM_UNIT_COMPATIBLE" val="0"/>
+  <p:tag name="KSO_WM_UNIT_DIAGRAM_ISNUMVISUAL" val="0"/>
+  <p:tag name="KSO_WM_UNIT_DIAGRAM_ISREFERUNIT" val="0"/>
+  <p:tag name="KSO_WM_UNIT_ID" val="_8**"/>
+  <p:tag name="KSO_WM_UNIT_LAYERLEVEL" val="1"/>
+  <p:tag name="KSO_WM_TAG_VERSION" val="1.0"/>
+  <p:tag name="KSO_WM_BEAUTIFY_FLAG" val="#wm#"/>
+</p:tagLst>
+</file>
+
+<file path=ppt/tags/tag48.xml><?xml version="1.0" encoding="utf-8"?>
+<p:tagLst xmlns:a="http://schemas.openxmlformats.org/drawingml/2006/main" xmlns:r="http://schemas.openxmlformats.org/officeDocument/2006/relationships" xmlns:p="http://schemas.openxmlformats.org/presentationml/2006/main">
+  <p:tag name="KSO_WM_UNIT_HIGHLIGHT" val="0"/>
+  <p:tag name="KSO_WM_UNIT_COMPATIBLE" val="0"/>
+  <p:tag name="KSO_WM_UNIT_DIAGRAM_ISNUMVISUAL" val="0"/>
+  <p:tag name="KSO_WM_UNIT_DIAGRAM_ISREFERUNIT" val="0"/>
+  <p:tag name="KSO_WM_UNIT_ID" val="_8**"/>
+  <p:tag name="KSO_WM_UNIT_LAYERLEVEL" val="1"/>
+  <p:tag name="KSO_WM_TAG_VERSION" val="1.0"/>
+  <p:tag name="KSO_WM_BEAUTIFY_FLAG" val="#wm#"/>
+</p:tagLst>
+</file>
+
+<file path=ppt/tags/tag49.xml><?xml version="1.0" encoding="utf-8"?>
+<p:tagLst xmlns:a="http://schemas.openxmlformats.org/drawingml/2006/main" xmlns:r="http://schemas.openxmlformats.org/officeDocument/2006/relationships" xmlns:p="http://schemas.openxmlformats.org/presentationml/2006/main">
+  <p:tag name="KSO_WM_UNIT_HIGHLIGHT" val="0"/>
+  <p:tag name="KSO_WM_UNIT_COMPATIBLE" val="0"/>
+  <p:tag name="KSO_WM_UNIT_DIAGRAM_ISNUMVISUAL" val="0"/>
+  <p:tag name="KSO_WM_UNIT_DIAGRAM_ISREFERUNIT" val="0"/>
+  <p:tag name="KSO_WM_UNIT_ID" val="_8**"/>
+  <p:tag name="KSO_WM_UNIT_LAYERLEVEL" val="1"/>
+  <p:tag name="KSO_WM_TAG_VERSION" val="1.0"/>
+  <p:tag name="KSO_WM_BEAUTIFY_FLAG" val="#wm#"/>
+</p:tagLst>
+</file>
+
+<file path=ppt/tags/tag5.xml><?xml version="1.0" encoding="utf-8"?>
+<p:tagLst xmlns:a="http://schemas.openxmlformats.org/drawingml/2006/main" xmlns:r="http://schemas.openxmlformats.org/officeDocument/2006/relationships" xmlns:p="http://schemas.openxmlformats.org/presentationml/2006/main">
+  <p:tag name="KSO_WM_UNIT_HIGHLIGHT" val="0"/>
+  <p:tag name="KSO_WM_UNIT_COMPATIBLE" val="0"/>
+  <p:tag name="KSO_WM_UNIT_DIAGRAM_ISNUMVISUAL" val="0"/>
+  <p:tag name="KSO_WM_UNIT_DIAGRAM_ISREFERUNIT" val="0"/>
+  <p:tag name="KSO_WM_UNIT_ID" val="_0**"/>
+  <p:tag name="KSO_WM_UNIT_LAYERLEVEL" val="1"/>
+  <p:tag name="KSO_WM_TAG_VERSION" val="1.0"/>
+  <p:tag name="KSO_WM_BEAUTIFY_FLAG" val="#wm#"/>
+</p:tagLst>
+</file>
+
+<file path=ppt/tags/tag50.xml><?xml version="1.0" encoding="utf-8"?>
+<p:tagLst xmlns:a="http://schemas.openxmlformats.org/drawingml/2006/main" xmlns:r="http://schemas.openxmlformats.org/officeDocument/2006/relationships" xmlns:p="http://schemas.openxmlformats.org/presentationml/2006/main">
+  <p:tag name="KSO_WM_UNIT_HIGHLIGHT" val="0"/>
+  <p:tag name="KSO_WM_UNIT_COMPATIBLE" val="0"/>
+  <p:tag name="KSO_WM_UNIT_DIAGRAM_ISNUMVISUAL" val="0"/>
+  <p:tag name="KSO_WM_UNIT_DIAGRAM_ISREFERUNIT" val="0"/>
+  <p:tag name="KSO_WM_UNIT_ID" val="_9**"/>
+  <p:tag name="KSO_WM_UNIT_LAYERLEVEL" val="1"/>
+  <p:tag name="KSO_WM_TAG_VERSION" val="1.0"/>
+  <p:tag name="KSO_WM_BEAUTIFY_FLAG" val="#wm#"/>
+</p:tagLst>
+</file>
+
+<file path=ppt/tags/tag51.xml><?xml version="1.0" encoding="utf-8"?>
+<p:tagLst xmlns:a="http://schemas.openxmlformats.org/drawingml/2006/main" xmlns:r="http://schemas.openxmlformats.org/officeDocument/2006/relationships" xmlns:p="http://schemas.openxmlformats.org/presentationml/2006/main">
+  <p:tag name="KSO_WM_UNIT_HIGHLIGHT" val="0"/>
+  <p:tag name="KSO_WM_UNIT_COMPATIBLE" val="0"/>
+  <p:tag name="KSO_WM_UNIT_DIAGRAM_ISNUMVISUAL" val="0"/>
+  <p:tag name="KSO_WM_UNIT_DIAGRAM_ISREFERUNIT" val="0"/>
+  <p:tag name="KSO_WM_UNIT_ID" val="_9**"/>
+  <p:tag name="KSO_WM_UNIT_LAYERLEVEL" val="1"/>
+  <p:tag name="KSO_WM_TAG_VERSION" val="1.0"/>
+  <p:tag name="KSO_WM_BEAUTIFY_FLAG" val="#wm#"/>
+</p:tagLst>
+</file>
+
+<file path=ppt/tags/tag52.xml><?xml version="1.0" encoding="utf-8"?>
+<p:tagLst xmlns:a="http://schemas.openxmlformats.org/drawingml/2006/main" xmlns:r="http://schemas.openxmlformats.org/officeDocument/2006/relationships" xmlns:p="http://schemas.openxmlformats.org/presentationml/2006/main">
+  <p:tag name="KSO_WM_UNIT_HIGHLIGHT" val="0"/>
+  <p:tag name="KSO_WM_UNIT_COMPATIBLE" val="0"/>
+  <p:tag name="KSO_WM_UNIT_DIAGRAM_ISNUMVISUAL" val="0"/>
+  <p:tag name="KSO_WM_UNIT_DIAGRAM_ISREFERUNIT" val="0"/>
+  <p:tag name="KSO_WM_UNIT_ID" val="_9**"/>
+  <p:tag name="KSO_WM_UNIT_LAYERLEVEL" val="1"/>
+  <p:tag name="KSO_WM_TAG_VERSION" val="1.0"/>
+  <p:tag name="KSO_WM_BEAUTIFY_FLAG" val="#wm#"/>
+</p:tagLst>
+</file>
+
+<file path=ppt/tags/tag53.xml><?xml version="1.0" encoding="utf-8"?>
+<p:tagLst xmlns:a="http://schemas.openxmlformats.org/drawingml/2006/main" xmlns:r="http://schemas.openxmlformats.org/officeDocument/2006/relationships" xmlns:p="http://schemas.openxmlformats.org/presentationml/2006/main">
+  <p:tag name="KSO_WM_UNIT_HIGHLIGHT" val="0"/>
+  <p:tag name="KSO_WM_UNIT_COMPATIBLE" val="0"/>
+  <p:tag name="KSO_WM_UNIT_DIAGRAM_ISNUMVISUAL" val="0"/>
+  <p:tag name="KSO_WM_UNIT_DIAGRAM_ISREFERUNIT" val="0"/>
+  <p:tag name="KSO_WM_UNIT_ID" val="_9**"/>
+  <p:tag name="KSO_WM_UNIT_LAYERLEVEL" val="1"/>
+  <p:tag name="KSO_WM_TAG_VERSION" val="1.0"/>
+  <p:tag name="KSO_WM_BEAUTIFY_FLAG" val="#wm#"/>
+</p:tagLst>
+</file>
+
+<file path=ppt/tags/tag54.xml><?xml version="1.0" encoding="utf-8"?>
+<p:tagLst xmlns:a="http://schemas.openxmlformats.org/drawingml/2006/main" xmlns:r="http://schemas.openxmlformats.org/officeDocument/2006/relationships" xmlns:p="http://schemas.openxmlformats.org/presentationml/2006/main">
+  <p:tag name="KSO_WM_UNIT_HIGHLIGHT" val="0"/>
+  <p:tag name="KSO_WM_UNIT_COMPATIBLE" val="0"/>
+  <p:tag name="KSO_WM_UNIT_DIAGRAM_ISNUMVISUAL" val="0"/>
+  <p:tag name="KSO_WM_UNIT_DIAGRAM_ISREFERUNIT" val="0"/>
+  <p:tag name="KSO_WM_UNIT_ID" val="_9**"/>
+  <p:tag name="KSO_WM_UNIT_LAYERLEVEL" val="1"/>
+  <p:tag name="KSO_WM_TAG_VERSION" val="1.0"/>
+  <p:tag name="KSO_WM_BEAUTIFY_FLAG" val="#wm#"/>
+</p:tagLst>
+</file>
+
+<file path=ppt/tags/tag55.xml><?xml version="1.0" encoding="utf-8"?>
+<p:tagLst xmlns:a="http://schemas.openxmlformats.org/drawingml/2006/main" xmlns:r="http://schemas.openxmlformats.org/officeDocument/2006/relationships" xmlns:p="http://schemas.openxmlformats.org/presentationml/2006/main">
+  <p:tag name="KSO_WM_UNIT_HIGHLIGHT" val="0"/>
+  <p:tag name="KSO_WM_UNIT_COMPATIBLE" val="0"/>
+  <p:tag name="KSO_WM_UNIT_DIAGRAM_ISNUMVISUAL" val="0"/>
+  <p:tag name="KSO_WM_UNIT_DIAGRAM_ISREFERUNIT" val="0"/>
+  <p:tag name="KSO_WM_UNIT_ID" val="_10**"/>
+  <p:tag name="KSO_WM_UNIT_LAYERLEVEL" val="1"/>
+  <p:tag name="KSO_WM_TAG_VERSION" val="1.0"/>
+  <p:tag name="KSO_WM_BEAUTIFY_FLAG" val="#wm#"/>
+</p:tagLst>
+</file>
+
+<file path=ppt/tags/tag56.xml><?xml version="1.0" encoding="utf-8"?>
+<p:tagLst xmlns:a="http://schemas.openxmlformats.org/drawingml/2006/main" xmlns:r="http://schemas.openxmlformats.org/officeDocument/2006/relationships" xmlns:p="http://schemas.openxmlformats.org/presentationml/2006/main">
+  <p:tag name="KSO_WM_UNIT_HIGHLIGHT" val="0"/>
+  <p:tag name="KSO_WM_UNIT_COMPATIBLE" val="0"/>
+  <p:tag name="KSO_WM_UNIT_DIAGRAM_ISNUMVISUAL" val="0"/>
+  <p:tag name="KSO_WM_UNIT_DIAGRAM_ISREFERUNIT" val="0"/>
+  <p:tag name="KSO_WM_UNIT_ID" val="_10**"/>
+  <p:tag name="KSO_WM_UNIT_LAYERLEVEL" val="1"/>
+  <p:tag name="KSO_WM_TAG_VERSION" val="1.0"/>
+  <p:tag name="KSO_WM_BEAUTIFY_FLAG" val="#wm#"/>
+</p:tagLst>
+</file>
+
+<file path=ppt/tags/tag57.xml><?xml version="1.0" encoding="utf-8"?>
+<p:tagLst xmlns:a="http://schemas.openxmlformats.org/drawingml/2006/main" xmlns:r="http://schemas.openxmlformats.org/officeDocument/2006/relationships" xmlns:p="http://schemas.openxmlformats.org/presentationml/2006/main">
+  <p:tag name="KSO_WM_UNIT_HIGHLIGHT" val="0"/>
+  <p:tag name="KSO_WM_UNIT_COMPATIBLE" val="0"/>
+  <p:tag name="KSO_WM_UNIT_DIAGRAM_ISNUMVISUAL" val="0"/>
+  <p:tag name="KSO_WM_UNIT_DIAGRAM_ISREFERUNIT" val="0"/>
+  <p:tag name="KSO_WM_UNIT_ID" val="_10**"/>
+  <p:tag name="KSO_WM_UNIT_LAYERLEVEL" val="1"/>
+  <p:tag name="KSO_WM_TAG_VERSION" val="1.0"/>
+  <p:tag name="KSO_WM_BEAUTIFY_FLAG" val="#wm#"/>
+</p:tagLst>
+</file>
+
+<file path=ppt/tags/tag58.xml><?xml version="1.0" encoding="utf-8"?>
+<p:tagLst xmlns:a="http://schemas.openxmlformats.org/drawingml/2006/main" xmlns:r="http://schemas.openxmlformats.org/officeDocument/2006/relationships" xmlns:p="http://schemas.openxmlformats.org/presentationml/2006/main">
+  <p:tag name="KSO_WM_UNIT_HIGHLIGHT" val="0"/>
+  <p:tag name="KSO_WM_UNIT_COMPATIBLE" val="0"/>
+  <p:tag name="KSO_WM_UNIT_DIAGRAM_ISNUMVISUAL" val="0"/>
+  <p:tag name="KSO_WM_UNIT_DIAGRAM_ISREFERUNIT" val="0"/>
+  <p:tag name="KSO_WM_UNIT_ID" val="_10**"/>
+  <p:tag name="KSO_WM_UNIT_LAYERLEVEL" val="1"/>
+  <p:tag name="KSO_WM_TAG_VERSION" val="1.0"/>
+  <p:tag name="KSO_WM_BEAUTIFY_FLAG" val="#wm#"/>
+</p:tagLst>
+</file>
+
+<file path=ppt/tags/tag59.xml><?xml version="1.0" encoding="utf-8"?>
+<p:tagLst xmlns:a="http://schemas.openxmlformats.org/drawingml/2006/main" xmlns:r="http://schemas.openxmlformats.org/officeDocument/2006/relationships" xmlns:p="http://schemas.openxmlformats.org/presentationml/2006/main">
+  <p:tag name="KSO_WM_UNIT_HIGHLIGHT" val="0"/>
+  <p:tag name="KSO_WM_UNIT_COMPATIBLE" val="0"/>
+  <p:tag name="KSO_WM_UNIT_DIAGRAM_ISNUMVISUAL" val="0"/>
+  <p:tag name="KSO_WM_UNIT_DIAGRAM_ISREFERUNIT" val="0"/>
+  <p:tag name="KSO_WM_UNIT_ID" val="_11**"/>
+  <p:tag name="KSO_WM_UNIT_LAYERLEVEL" val="1"/>
+  <p:tag name="KSO_WM_TAG_VERSION" val="1.0"/>
+  <p:tag name="KSO_WM_BEAUTIFY_FLAG" val="#wm#"/>
+</p:tagLst>
+</file>
+
+<file path=ppt/tags/tag6.xml><?xml version="1.0" encoding="utf-8"?>
+<p:tagLst xmlns:a="http://schemas.openxmlformats.org/drawingml/2006/main" xmlns:r="http://schemas.openxmlformats.org/officeDocument/2006/relationships" xmlns:p="http://schemas.openxmlformats.org/presentationml/2006/main">
+  <p:tag name="KSO_WM_UNIT_HIGHLIGHT" val="0"/>
+  <p:tag name="KSO_WM_UNIT_COMPATIBLE" val="0"/>
+  <p:tag name="KSO_WM_UNIT_DIAGRAM_ISNUMVISUAL" val="0"/>
+  <p:tag name="KSO_WM_UNIT_DIAGRAM_ISREFERUNIT" val="0"/>
+  <p:tag name="KSO_WM_UNIT_ID" val="_0**"/>
+  <p:tag name="KSO_WM_UNIT_LAYERLEVEL" val="1"/>
+  <p:tag name="KSO_WM_TAG_VERSION" val="1.0"/>
+  <p:tag name="KSO_WM_BEAUTIFY_FLAG" val="#wm#"/>
+</p:tagLst>
+</file>
+
+<file path=ppt/tags/tag60.xml><?xml version="1.0" encoding="utf-8"?>
+<p:tagLst xmlns:a="http://schemas.openxmlformats.org/drawingml/2006/main" xmlns:r="http://schemas.openxmlformats.org/officeDocument/2006/relationships" xmlns:p="http://schemas.openxmlformats.org/presentationml/2006/main">
+  <p:tag name="KSO_WM_UNIT_HIGHLIGHT" val="0"/>
+  <p:tag name="KSO_WM_UNIT_COMPATIBLE" val="0"/>
+  <p:tag name="KSO_WM_UNIT_DIAGRAM_ISNUMVISUAL" val="0"/>
+  <p:tag name="KSO_WM_UNIT_DIAGRAM_ISREFERUNIT" val="0"/>
+  <p:tag name="KSO_WM_UNIT_ID" val="_11**"/>
+  <p:tag name="KSO_WM_UNIT_LAYERLEVEL" val="1"/>
+  <p:tag name="KSO_WM_TAG_VERSION" val="1.0"/>
+  <p:tag name="KSO_WM_BEAUTIFY_FLAG" val="#wm#"/>
+</p:tagLst>
+</file>
+
+<file path=ppt/tags/tag61.xml><?xml version="1.0" encoding="utf-8"?>
+<p:tagLst xmlns:a="http://schemas.openxmlformats.org/drawingml/2006/main" xmlns:r="http://schemas.openxmlformats.org/officeDocument/2006/relationships" xmlns:p="http://schemas.openxmlformats.org/presentationml/2006/main">
+  <p:tag name="KSO_WM_UNIT_HIGHLIGHT" val="0"/>
+  <p:tag name="KSO_WM_UNIT_COMPATIBLE" val="0"/>
+  <p:tag name="KSO_WM_UNIT_DIAGRAM_ISNUMVISUAL" val="0"/>
+  <p:tag name="KSO_WM_UNIT_DIAGRAM_ISREFERUNIT" val="0"/>
+  <p:tag name="KSO_WM_UNIT_ID" val="_11**"/>
+  <p:tag name="KSO_WM_UNIT_LAYERLEVEL" val="1"/>
+  <p:tag name="KSO_WM_TAG_VERSION" val="1.0"/>
+  <p:tag name="KSO_WM_BEAUTIFY_FLAG" val="#wm#"/>
+</p:tagLst>
+</file>
+
+<file path=ppt/tags/tag62.xml><?xml version="1.0" encoding="utf-8"?>
+<p:tagLst xmlns:a="http://schemas.openxmlformats.org/drawingml/2006/main" xmlns:r="http://schemas.openxmlformats.org/officeDocument/2006/relationships" xmlns:p="http://schemas.openxmlformats.org/presentationml/2006/main">
+  <p:tag name="KSO_WM_UNIT_HIGHLIGHT" val="0"/>
+  <p:tag name="KSO_WM_UNIT_COMPATIBLE" val="0"/>
+  <p:tag name="KSO_WM_UNIT_DIAGRAM_ISNUMVISUAL" val="0"/>
+  <p:tag name="KSO_WM_UNIT_DIAGRAM_ISREFERUNIT" val="0"/>
+  <p:tag name="KSO_WM_UNIT_ID" val="_11**"/>
+  <p:tag name="KSO_WM_UNIT_LAYERLEVEL" val="1"/>
+  <p:tag name="KSO_WM_TAG_VERSION" val="1.0"/>
+  <p:tag name="KSO_WM_BEAUTIFY_FLAG" val="#wm#"/>
+</p:tagLst>
+</file>
+
 <file path=ppt/tags/tag63.xml><?xml version="1.0" encoding="utf-8"?>
-<p:tagLst xmlns:p="http://schemas.openxmlformats.org/presentationml/2006/main">
+<p:tagLst xmlns:a="http://schemas.openxmlformats.org/drawingml/2006/main" xmlns:r="http://schemas.openxmlformats.org/officeDocument/2006/relationships" xmlns:p="http://schemas.openxmlformats.org/presentationml/2006/main">
+  <p:tag name="KSO_WM_UNIT_HIGHLIGHT" val="0"/>
+  <p:tag name="KSO_WM_UNIT_COMPATIBLE" val="0"/>
+  <p:tag name="KSO_WM_UNIT_DIAGRAM_ISNUMVISUAL" val="0"/>
+  <p:tag name="KSO_WM_UNIT_DIAGRAM_ISREFERUNIT" val="0"/>
+  <p:tag name="KSO_WM_UNIT_ID" val="_11**"/>
+  <p:tag name="KSO_WM_UNIT_LAYERLEVEL" val="1"/>
+  <p:tag name="KSO_WM_TAG_VERSION" val="1.0"/>
+  <p:tag name="KSO_WM_BEAUTIFY_FLAG" val="#wm#"/>
+</p:tagLst>
+</file>
+
+<file path=ppt/tags/tag64.xml><?xml version="1.0" encoding="utf-8"?>
+<p:tagLst xmlns:a="http://schemas.openxmlformats.org/drawingml/2006/main" xmlns:r="http://schemas.openxmlformats.org/officeDocument/2006/relationships" xmlns:p="http://schemas.openxmlformats.org/presentationml/2006/main">
   <p:tag name="KSO_WM_SLIDE_ID" val="custom20205176_1"/>
   <p:tag name="KSO_WM_TEMPLATE_SUBCATEGORY" val="19"/>
   <p:tag name="KSO_WM_TEMPLATE_MASTER_TYPE" val="0"/>
@@ -5007,19 +4945,13 @@
 </p:tagLst>
 </file>
 
-<file path=ppt/tags/tag64.xml><?xml version="1.0" encoding="utf-8"?>
-<p:tagLst xmlns:p="http://schemas.openxmlformats.org/presentationml/2006/main">
-  <p:tag name="COMMONDATA" val="eyJoZGlkIjoiMzBkNjg2YTRkMGE1OGRhYmZjNTZlNzhiMWEyYTY2MTEifQ=="/>
-</p:tagLst>
-</file>
-
 <file path=ppt/tags/tag7.xml><?xml version="1.0" encoding="utf-8"?>
-<p:tagLst xmlns:p="http://schemas.openxmlformats.org/presentationml/2006/main">
-  <p:tag name="KSO_WM_UNIT_HIGHLIGHT" val="0"/>
-  <p:tag name="KSO_WM_UNIT_COMPATIBLE" val="0"/>
-  <p:tag name="KSO_WM_UNIT_DIAGRAM_ISNUMVISUAL" val="0"/>
-  <p:tag name="KSO_WM_UNIT_DIAGRAM_ISREFERUNIT" val="0"/>
-  <p:tag name="KSO_WM_UNIT_ID" val="_2**"/>
+<p:tagLst xmlns:a="http://schemas.openxmlformats.org/drawingml/2006/main" xmlns:r="http://schemas.openxmlformats.org/officeDocument/2006/relationships" xmlns:p="http://schemas.openxmlformats.org/presentationml/2006/main">
+  <p:tag name="KSO_WM_UNIT_HIGHLIGHT" val="0"/>
+  <p:tag name="KSO_WM_UNIT_COMPATIBLE" val="0"/>
+  <p:tag name="KSO_WM_UNIT_DIAGRAM_ISNUMVISUAL" val="0"/>
+  <p:tag name="KSO_WM_UNIT_DIAGRAM_ISREFERUNIT" val="0"/>
+  <p:tag name="KSO_WM_UNIT_ID" val="_0**"/>
   <p:tag name="KSO_WM_UNIT_LAYERLEVEL" val="1"/>
   <p:tag name="KSO_WM_TAG_VERSION" val="1.0"/>
   <p:tag name="KSO_WM_BEAUTIFY_FLAG" val="#wm#"/>
@@ -5027,12 +4959,12 @@
 </file>
 
 <file path=ppt/tags/tag8.xml><?xml version="1.0" encoding="utf-8"?>
-<p:tagLst xmlns:p="http://schemas.openxmlformats.org/presentationml/2006/main">
-  <p:tag name="KSO_WM_UNIT_HIGHLIGHT" val="0"/>
-  <p:tag name="KSO_WM_UNIT_COMPATIBLE" val="0"/>
-  <p:tag name="KSO_WM_UNIT_DIAGRAM_ISNUMVISUAL" val="0"/>
-  <p:tag name="KSO_WM_UNIT_DIAGRAM_ISREFERUNIT" val="0"/>
-  <p:tag name="KSO_WM_UNIT_ID" val="_2**"/>
+<p:tagLst xmlns:a="http://schemas.openxmlformats.org/drawingml/2006/main" xmlns:r="http://schemas.openxmlformats.org/officeDocument/2006/relationships" xmlns:p="http://schemas.openxmlformats.org/presentationml/2006/main">
+  <p:tag name="KSO_WM_UNIT_HIGHLIGHT" val="0"/>
+  <p:tag name="KSO_WM_UNIT_COMPATIBLE" val="0"/>
+  <p:tag name="KSO_WM_UNIT_DIAGRAM_ISNUMVISUAL" val="0"/>
+  <p:tag name="KSO_WM_UNIT_DIAGRAM_ISREFERUNIT" val="0"/>
+  <p:tag name="KSO_WM_UNIT_ID" val="_1**"/>
   <p:tag name="KSO_WM_UNIT_LAYERLEVEL" val="1"/>
   <p:tag name="KSO_WM_TAG_VERSION" val="1.0"/>
   <p:tag name="KSO_WM_BEAUTIFY_FLAG" val="#wm#"/>
@@ -5040,12 +4972,12 @@
 </file>
 
 <file path=ppt/tags/tag9.xml><?xml version="1.0" encoding="utf-8"?>
-<p:tagLst xmlns:p="http://schemas.openxmlformats.org/presentationml/2006/main">
-  <p:tag name="KSO_WM_UNIT_HIGHLIGHT" val="0"/>
-  <p:tag name="KSO_WM_UNIT_COMPATIBLE" val="0"/>
-  <p:tag name="KSO_WM_UNIT_DIAGRAM_ISNUMVISUAL" val="0"/>
-  <p:tag name="KSO_WM_UNIT_DIAGRAM_ISREFERUNIT" val="0"/>
-  <p:tag name="KSO_WM_UNIT_ID" val="_2**"/>
+<p:tagLst xmlns:a="http://schemas.openxmlformats.org/drawingml/2006/main" xmlns:r="http://schemas.openxmlformats.org/officeDocument/2006/relationships" xmlns:p="http://schemas.openxmlformats.org/presentationml/2006/main">
+  <p:tag name="KSO_WM_UNIT_HIGHLIGHT" val="0"/>
+  <p:tag name="KSO_WM_UNIT_COMPATIBLE" val="0"/>
+  <p:tag name="KSO_WM_UNIT_DIAGRAM_ISNUMVISUAL" val="0"/>
+  <p:tag name="KSO_WM_UNIT_DIAGRAM_ISREFERUNIT" val="0"/>
+  <p:tag name="KSO_WM_UNIT_ID" val="_1**"/>
   <p:tag name="KSO_WM_UNIT_LAYERLEVEL" val="1"/>
   <p:tag name="KSO_WM_TAG_VERSION" val="1.0"/>
   <p:tag name="KSO_WM_BEAUTIFY_FLAG" val="#wm#"/>
@@ -5229,6 +5161,8 @@
       </a:bgFillStyleLst>
     </a:fmtScheme>
   </a:themeElements>
+  <a:objectDefaults/>
+  <a:extraClrSchemeLst/>
   <a:extLst>
     <a:ext uri="{05A4C25C-085E-4340-85A3-A5531E510DB2}">
       <thm15:themeFamily xmlns:thm15="http://schemas.microsoft.com/office/thememl/2012/main" name="Office Theme" id="{62F939B6-93AF-4DB8-9C6B-D6C7DFDC589F}" vid="{4A3C46E8-61CC-4603-A589-7422A47A8E4A}"/>
@@ -5488,6 +5422,8 @@
       </a:bgFillStyleLst>
     </a:fmtScheme>
   </a:themeElements>
+  <a:objectDefaults/>
+  <a:extraClrSchemeLst/>
   <a:extLst>
     <a:ext uri="{05A4C25C-085E-4340-85A3-A5531E510DB2}">
       <thm15:themeFamily xmlns:thm15="http://schemas.microsoft.com/office/thememl/2012/main" name="Office Theme" id="{62F939B6-93AF-4DB8-9C6B-D6C7DFDC589F}" vid="{4A3C46E8-61CC-4603-A589-7422A47A8E4A}"/>
